--- a/docs/Presentation.pptx
+++ b/docs/Presentation.pptx
@@ -12561,7 +12561,9 @@
         </p:nvSpPr>
         <p:spPr/>
         <p:txBody>
-          <a:bodyPr/>
+          <a:bodyPr>
+            <a:normAutofit/>
+          </a:bodyPr>
           <a:lstStyle/>
           <a:p>
             <a:r>
@@ -12572,6 +12574,15 @@
             </a:r>
           </a:p>
           <a:p>
+            <a:pPr lvl="1"/>
+            <a:r>
+              <a:rPr lang="en-US" dirty="0">
+                <a:latin typeface="Lucida Fax" panose="02060602050505020204" pitchFamily="18" charset="0"/>
+              </a:rPr>
+              <a:t>Process of computationally identifying opinions expressed in a piece of text and predicting if the attitude of a writer towards a particular topic/product is positive or negative.</a:t>
+            </a:r>
+          </a:p>
+          <a:p>
             <a:r>
               <a:rPr lang="en-US" dirty="0">
                 <a:latin typeface="Lucida Fax" panose="02060602050505020204" pitchFamily="18" charset="0"/>
@@ -12580,6 +12591,33 @@
             </a:r>
           </a:p>
           <a:p>
+            <a:pPr lvl="1"/>
+            <a:r>
+              <a:rPr lang="en-US" dirty="0">
+                <a:latin typeface="Lucida Fax" panose="02060602050505020204" pitchFamily="18" charset="0"/>
+              </a:rPr>
+              <a:t>Large user base</a:t>
+            </a:r>
+          </a:p>
+          <a:p>
+            <a:pPr lvl="1"/>
+            <a:r>
+              <a:rPr lang="en-US" dirty="0">
+                <a:latin typeface="Lucida Fax" panose="02060602050505020204" pitchFamily="18" charset="0"/>
+              </a:rPr>
+              <a:t>Diverse lexicons</a:t>
+            </a:r>
+          </a:p>
+          <a:p>
+            <a:pPr marL="457200" lvl="1" indent="0">
+              <a:buNone/>
+            </a:pPr>
+            <a:endParaRPr lang="en-US" dirty="0">
+              <a:latin typeface="Lucida Fax" panose="02060602050505020204" pitchFamily="18" charset="0"/>
+            </a:endParaRPr>
+          </a:p>
+          <a:p>
+            <a:pPr lvl="1"/>
             <a:endParaRPr lang="en-US" dirty="0">
               <a:latin typeface="Lucida Fax" panose="02060602050505020204" pitchFamily="18" charset="0"/>
             </a:endParaRPr>

--- a/docs/Presentation.pptx
+++ b/docs/Presentation.pptx
@@ -7,14 +7,15 @@
   <p:sldIdLst>
     <p:sldId id="256" r:id="rId2"/>
     <p:sldId id="257" r:id="rId3"/>
-    <p:sldId id="258" r:id="rId4"/>
-    <p:sldId id="259" r:id="rId5"/>
-    <p:sldId id="262" r:id="rId6"/>
-    <p:sldId id="260" r:id="rId7"/>
-    <p:sldId id="263" r:id="rId8"/>
-    <p:sldId id="261" r:id="rId9"/>
-    <p:sldId id="264" r:id="rId10"/>
-    <p:sldId id="265" r:id="rId11"/>
+    <p:sldId id="267" r:id="rId4"/>
+    <p:sldId id="266" r:id="rId5"/>
+    <p:sldId id="258" r:id="rId6"/>
+    <p:sldId id="269" r:id="rId7"/>
+    <p:sldId id="264" r:id="rId8"/>
+    <p:sldId id="262" r:id="rId9"/>
+    <p:sldId id="271" r:id="rId10"/>
+    <p:sldId id="270" r:id="rId11"/>
+    <p:sldId id="265" r:id="rId12"/>
   </p:sldIdLst>
   <p:sldSz cx="12192000" cy="6858000"/>
   <p:notesSz cx="6858000" cy="9144000"/>
@@ -113,6 +114,11 @@
       </a:defRPr>
     </a:lvl9pPr>
   </p:defaultTextStyle>
+  <p:extLst>
+    <p:ext uri="{EFAFB233-063F-42B5-8137-9DF3F51BA10A}">
+      <p15:sldGuideLst xmlns:p15="http://schemas.microsoft.com/office/powerpoint/2012/main"/>
+    </p:ext>
+  </p:extLst>
 </p:presentation>
 </file>
 
@@ -173,7 +179,7 @@
           <a:noFill/>
           <a:extLst>
             <a:ext uri="{909E8E84-426E-40dd-AFC4-6F175D3DCCD1}">
-              <a14:hiddenFill xmlns:a14="http://schemas.microsoft.com/office/drawing/2010/main" xmlns="">
+              <a14:hiddenFill xmlns="" xmlns:a14="http://schemas.microsoft.com/office/drawing/2010/main">
                 <a:solidFill>
                   <a:srgbClr val="FFFFFF"/>
                 </a:solidFill>
@@ -232,7 +238,7 @@
             </a:ln>
             <a:extLst>
               <a:ext uri="{91240B29-F687-4f45-9708-019B960494DF}">
-                <a14:hiddenLine xmlns:a14="http://schemas.microsoft.com/office/drawing/2010/main" xmlns="" w="9525">
+                <a14:hiddenLine xmlns="" xmlns:a14="http://schemas.microsoft.com/office/drawing/2010/main" w="9525">
                   <a:solidFill>
                     <a:srgbClr val="000000"/>
                   </a:solidFill>
@@ -322,7 +328,7 @@
             </a:ln>
             <a:extLst>
               <a:ext uri="{91240B29-F687-4f45-9708-019B960494DF}">
-                <a14:hiddenLine xmlns:a14="http://schemas.microsoft.com/office/drawing/2010/main" xmlns="" w="9525">
+                <a14:hiddenLine xmlns="" xmlns:a14="http://schemas.microsoft.com/office/drawing/2010/main" w="9525">
                   <a:solidFill>
                     <a:srgbClr val="000000"/>
                   </a:solidFill>
@@ -412,7 +418,7 @@
             </a:ln>
             <a:extLst>
               <a:ext uri="{91240B29-F687-4f45-9708-019B960494DF}">
-                <a14:hiddenLine xmlns:a14="http://schemas.microsoft.com/office/drawing/2010/main" xmlns="" w="9525">
+                <a14:hiddenLine xmlns="" xmlns:a14="http://schemas.microsoft.com/office/drawing/2010/main" w="9525">
                   <a:solidFill>
                     <a:srgbClr val="000000"/>
                   </a:solidFill>
@@ -446,7 +452,7 @@
             </a:ln>
             <a:extLst>
               <a:ext uri="{91240B29-F687-4f45-9708-019B960494DF}">
-                <a14:hiddenLine xmlns:a14="http://schemas.microsoft.com/office/drawing/2010/main" xmlns="" w="9525">
+                <a14:hiddenLine xmlns="" xmlns:a14="http://schemas.microsoft.com/office/drawing/2010/main" w="9525">
                   <a:solidFill>
                     <a:srgbClr val="000000"/>
                   </a:solidFill>
@@ -536,7 +542,7 @@
             </a:ln>
             <a:extLst>
               <a:ext uri="{91240B29-F687-4f45-9708-019B960494DF}">
-                <a14:hiddenLine xmlns:a14="http://schemas.microsoft.com/office/drawing/2010/main" xmlns="" w="9525">
+                <a14:hiddenLine xmlns="" xmlns:a14="http://schemas.microsoft.com/office/drawing/2010/main" w="9525">
                   <a:solidFill>
                     <a:srgbClr val="000000"/>
                   </a:solidFill>
@@ -598,7 +604,7 @@
             </a:ln>
             <a:extLst>
               <a:ext uri="{91240B29-F687-4f45-9708-019B960494DF}">
-                <a14:hiddenLine xmlns:a14="http://schemas.microsoft.com/office/drawing/2010/main" xmlns="" w="9525">
+                <a14:hiddenLine xmlns="" xmlns:a14="http://schemas.microsoft.com/office/drawing/2010/main" w="9525">
                   <a:solidFill>
                     <a:srgbClr val="000000"/>
                   </a:solidFill>
@@ -660,7 +666,7 @@
             </a:ln>
             <a:extLst>
               <a:ext uri="{91240B29-F687-4f45-9708-019B960494DF}">
-                <a14:hiddenLine xmlns:a14="http://schemas.microsoft.com/office/drawing/2010/main" xmlns="" w="9525">
+                <a14:hiddenLine xmlns="" xmlns:a14="http://schemas.microsoft.com/office/drawing/2010/main" w="9525">
                   <a:solidFill>
                     <a:srgbClr val="000000"/>
                   </a:solidFill>
@@ -750,7 +756,7 @@
             </a:ln>
             <a:extLst>
               <a:ext uri="{91240B29-F687-4f45-9708-019B960494DF}">
-                <a14:hiddenLine xmlns:a14="http://schemas.microsoft.com/office/drawing/2010/main" xmlns="" w="9525">
+                <a14:hiddenLine xmlns="" xmlns:a14="http://schemas.microsoft.com/office/drawing/2010/main" w="9525">
                   <a:solidFill>
                     <a:srgbClr val="000000"/>
                   </a:solidFill>
@@ -812,7 +818,7 @@
             </a:ln>
             <a:extLst>
               <a:ext uri="{91240B29-F687-4f45-9708-019B960494DF}">
-                <a14:hiddenLine xmlns:a14="http://schemas.microsoft.com/office/drawing/2010/main" xmlns="" w="9525">
+                <a14:hiddenLine xmlns="" xmlns:a14="http://schemas.microsoft.com/office/drawing/2010/main" w="9525">
                   <a:solidFill>
                     <a:srgbClr val="000000"/>
                   </a:solidFill>
@@ -874,7 +880,7 @@
             </a:ln>
             <a:extLst>
               <a:ext uri="{91240B29-F687-4f45-9708-019B960494DF}">
-                <a14:hiddenLine xmlns:a14="http://schemas.microsoft.com/office/drawing/2010/main" xmlns="" w="9525">
+                <a14:hiddenLine xmlns="" xmlns:a14="http://schemas.microsoft.com/office/drawing/2010/main" w="9525">
                   <a:solidFill>
                     <a:srgbClr val="000000"/>
                   </a:solidFill>
@@ -964,7 +970,7 @@
             </a:ln>
             <a:extLst>
               <a:ext uri="{91240B29-F687-4f45-9708-019B960494DF}">
-                <a14:hiddenLine xmlns:a14="http://schemas.microsoft.com/office/drawing/2010/main" xmlns="" w="9525">
+                <a14:hiddenLine xmlns="" xmlns:a14="http://schemas.microsoft.com/office/drawing/2010/main" w="9525">
                   <a:solidFill>
                     <a:srgbClr val="000000"/>
                   </a:solidFill>
@@ -1054,7 +1060,7 @@
             </a:ln>
             <a:extLst>
               <a:ext uri="{91240B29-F687-4f45-9708-019B960494DF}">
-                <a14:hiddenLine xmlns:a14="http://schemas.microsoft.com/office/drawing/2010/main" xmlns="" w="9525">
+                <a14:hiddenLine xmlns="" xmlns:a14="http://schemas.microsoft.com/office/drawing/2010/main" w="9525">
                   <a:solidFill>
                     <a:srgbClr val="000000"/>
                   </a:solidFill>
@@ -1116,7 +1122,7 @@
             </a:ln>
             <a:extLst>
               <a:ext uri="{91240B29-F687-4f45-9708-019B960494DF}">
-                <a14:hiddenLine xmlns:a14="http://schemas.microsoft.com/office/drawing/2010/main" xmlns="" w="9525">
+                <a14:hiddenLine xmlns="" xmlns:a14="http://schemas.microsoft.com/office/drawing/2010/main" w="9525">
                   <a:solidFill>
                     <a:srgbClr val="000000"/>
                   </a:solidFill>
@@ -1226,7 +1232,7 @@
             </a:ln>
             <a:extLst>
               <a:ext uri="{91240B29-F687-4f45-9708-019B960494DF}">
-                <a14:hiddenLine xmlns:a14="http://schemas.microsoft.com/office/drawing/2010/main" xmlns="" w="9525">
+                <a14:hiddenLine xmlns="" xmlns:a14="http://schemas.microsoft.com/office/drawing/2010/main" w="9525">
                   <a:solidFill>
                     <a:srgbClr val="000000"/>
                   </a:solidFill>
@@ -1288,7 +1294,7 @@
             </a:ln>
             <a:extLst>
               <a:ext uri="{91240B29-F687-4f45-9708-019B960494DF}">
-                <a14:hiddenLine xmlns:a14="http://schemas.microsoft.com/office/drawing/2010/main" xmlns="" w="9525">
+                <a14:hiddenLine xmlns="" xmlns:a14="http://schemas.microsoft.com/office/drawing/2010/main" w="9525">
                   <a:solidFill>
                     <a:srgbClr val="000000"/>
                   </a:solidFill>
@@ -1378,7 +1384,7 @@
             </a:ln>
             <a:extLst>
               <a:ext uri="{91240B29-F687-4f45-9708-019B960494DF}">
-                <a14:hiddenLine xmlns:a14="http://schemas.microsoft.com/office/drawing/2010/main" xmlns="" w="9525">
+                <a14:hiddenLine xmlns="" xmlns:a14="http://schemas.microsoft.com/office/drawing/2010/main" w="9525">
                   <a:solidFill>
                     <a:srgbClr val="000000"/>
                   </a:solidFill>
@@ -1468,7 +1474,7 @@
             </a:ln>
             <a:extLst>
               <a:ext uri="{91240B29-F687-4f45-9708-019B960494DF}">
-                <a14:hiddenLine xmlns:a14="http://schemas.microsoft.com/office/drawing/2010/main" xmlns="" w="9525">
+                <a14:hiddenLine xmlns="" xmlns:a14="http://schemas.microsoft.com/office/drawing/2010/main" w="9525">
                   <a:solidFill>
                     <a:srgbClr val="000000"/>
                   </a:solidFill>
@@ -1530,7 +1536,7 @@
             </a:ln>
             <a:extLst>
               <a:ext uri="{91240B29-F687-4f45-9708-019B960494DF}">
-                <a14:hiddenLine xmlns:a14="http://schemas.microsoft.com/office/drawing/2010/main" xmlns="" w="9525">
+                <a14:hiddenLine xmlns="" xmlns:a14="http://schemas.microsoft.com/office/drawing/2010/main" w="9525">
                   <a:solidFill>
                     <a:srgbClr val="000000"/>
                   </a:solidFill>
@@ -1620,7 +1626,7 @@
             </a:ln>
             <a:extLst>
               <a:ext uri="{91240B29-F687-4f45-9708-019B960494DF}">
-                <a14:hiddenLine xmlns:a14="http://schemas.microsoft.com/office/drawing/2010/main" xmlns="" w="9525">
+                <a14:hiddenLine xmlns="" xmlns:a14="http://schemas.microsoft.com/office/drawing/2010/main" w="9525">
                   <a:solidFill>
                     <a:srgbClr val="000000"/>
                   </a:solidFill>
@@ -1710,7 +1716,7 @@
             </a:ln>
             <a:extLst>
               <a:ext uri="{91240B29-F687-4f45-9708-019B960494DF}">
-                <a14:hiddenLine xmlns:a14="http://schemas.microsoft.com/office/drawing/2010/main" xmlns="" w="9525">
+                <a14:hiddenLine xmlns="" xmlns:a14="http://schemas.microsoft.com/office/drawing/2010/main" w="9525">
                   <a:solidFill>
                     <a:srgbClr val="000000"/>
                   </a:solidFill>
@@ -1766,7 +1772,7 @@
             </a:ln>
             <a:extLst>
               <a:ext uri="{91240B29-F687-4f45-9708-019B960494DF}">
-                <a14:hiddenLine xmlns:a14="http://schemas.microsoft.com/office/drawing/2010/main" xmlns="" w="9525">
+                <a14:hiddenLine xmlns="" xmlns:a14="http://schemas.microsoft.com/office/drawing/2010/main" w="9525">
                   <a:solidFill>
                     <a:srgbClr val="000000"/>
                   </a:solidFill>
@@ -1856,7 +1862,7 @@
             </a:ln>
             <a:extLst>
               <a:ext uri="{91240B29-F687-4f45-9708-019B960494DF}">
-                <a14:hiddenLine xmlns:a14="http://schemas.microsoft.com/office/drawing/2010/main" xmlns="" w="9525">
+                <a14:hiddenLine xmlns="" xmlns:a14="http://schemas.microsoft.com/office/drawing/2010/main" w="9525">
                   <a:solidFill>
                     <a:srgbClr val="000000"/>
                   </a:solidFill>
@@ -1912,7 +1918,7 @@
             </a:ln>
             <a:extLst>
               <a:ext uri="{91240B29-F687-4f45-9708-019B960494DF}">
-                <a14:hiddenLine xmlns:a14="http://schemas.microsoft.com/office/drawing/2010/main" xmlns="" w="9525">
+                <a14:hiddenLine xmlns="" xmlns:a14="http://schemas.microsoft.com/office/drawing/2010/main" w="9525">
                   <a:solidFill>
                     <a:srgbClr val="000000"/>
                   </a:solidFill>
@@ -2002,7 +2008,7 @@
             </a:ln>
             <a:extLst>
               <a:ext uri="{91240B29-F687-4f45-9708-019B960494DF}">
-                <a14:hiddenLine xmlns:a14="http://schemas.microsoft.com/office/drawing/2010/main" xmlns="" w="9525">
+                <a14:hiddenLine xmlns="" xmlns:a14="http://schemas.microsoft.com/office/drawing/2010/main" w="9525">
                   <a:solidFill>
                     <a:srgbClr val="000000"/>
                   </a:solidFill>
@@ -2070,7 +2076,7 @@
             </a:ln>
             <a:extLst>
               <a:ext uri="{91240B29-F687-4f45-9708-019B960494DF}">
-                <a14:hiddenLine xmlns:a14="http://schemas.microsoft.com/office/drawing/2010/main" xmlns="" w="9525">
+                <a14:hiddenLine xmlns="" xmlns:a14="http://schemas.microsoft.com/office/drawing/2010/main" w="9525">
                   <a:solidFill>
                     <a:srgbClr val="000000"/>
                   </a:solidFill>
@@ -2160,7 +2166,7 @@
             </a:ln>
             <a:extLst>
               <a:ext uri="{91240B29-F687-4f45-9708-019B960494DF}">
-                <a14:hiddenLine xmlns:a14="http://schemas.microsoft.com/office/drawing/2010/main" xmlns="" w="9525">
+                <a14:hiddenLine xmlns="" xmlns:a14="http://schemas.microsoft.com/office/drawing/2010/main" w="9525">
                   <a:solidFill>
                     <a:srgbClr val="000000"/>
                   </a:solidFill>
@@ -2228,7 +2234,7 @@
             </a:ln>
             <a:extLst>
               <a:ext uri="{91240B29-F687-4f45-9708-019B960494DF}">
-                <a14:hiddenLine xmlns:a14="http://schemas.microsoft.com/office/drawing/2010/main" xmlns="" w="9525">
+                <a14:hiddenLine xmlns="" xmlns:a14="http://schemas.microsoft.com/office/drawing/2010/main" w="9525">
                   <a:solidFill>
                     <a:srgbClr val="000000"/>
                   </a:solidFill>
@@ -2318,7 +2324,7 @@
             </a:ln>
             <a:extLst>
               <a:ext uri="{91240B29-F687-4f45-9708-019B960494DF}">
-                <a14:hiddenLine xmlns:a14="http://schemas.microsoft.com/office/drawing/2010/main" xmlns="" w="9525">
+                <a14:hiddenLine xmlns="" xmlns:a14="http://schemas.microsoft.com/office/drawing/2010/main" w="9525">
                   <a:solidFill>
                     <a:srgbClr val="000000"/>
                   </a:solidFill>
@@ -2352,7 +2358,7 @@
             </a:ln>
             <a:extLst>
               <a:ext uri="{91240B29-F687-4f45-9708-019B960494DF}">
-                <a14:hiddenLine xmlns:a14="http://schemas.microsoft.com/office/drawing/2010/main" xmlns="" w="9525">
+                <a14:hiddenLine xmlns="" xmlns:a14="http://schemas.microsoft.com/office/drawing/2010/main" w="9525">
                   <a:solidFill>
                     <a:srgbClr val="000000"/>
                   </a:solidFill>
@@ -2442,7 +2448,7 @@
             </a:ln>
             <a:extLst>
               <a:ext uri="{91240B29-F687-4f45-9708-019B960494DF}">
-                <a14:hiddenLine xmlns:a14="http://schemas.microsoft.com/office/drawing/2010/main" xmlns="" w="9525">
+                <a14:hiddenLine xmlns="" xmlns:a14="http://schemas.microsoft.com/office/drawing/2010/main" w="9525">
                   <a:solidFill>
                     <a:srgbClr val="000000"/>
                   </a:solidFill>
@@ -2504,7 +2510,7 @@
             </a:ln>
             <a:extLst>
               <a:ext uri="{91240B29-F687-4f45-9708-019B960494DF}">
-                <a14:hiddenLine xmlns:a14="http://schemas.microsoft.com/office/drawing/2010/main" xmlns="" w="9525">
+                <a14:hiddenLine xmlns="" xmlns:a14="http://schemas.microsoft.com/office/drawing/2010/main" w="9525">
                   <a:solidFill>
                     <a:srgbClr val="000000"/>
                   </a:solidFill>
@@ -2566,7 +2572,7 @@
             </a:ln>
             <a:extLst>
               <a:ext uri="{91240B29-F687-4f45-9708-019B960494DF}">
-                <a14:hiddenLine xmlns:a14="http://schemas.microsoft.com/office/drawing/2010/main" xmlns="" w="9525">
+                <a14:hiddenLine xmlns="" xmlns:a14="http://schemas.microsoft.com/office/drawing/2010/main" w="9525">
                   <a:solidFill>
                     <a:srgbClr val="000000"/>
                   </a:solidFill>
@@ -2656,7 +2662,7 @@
             </a:ln>
             <a:extLst>
               <a:ext uri="{91240B29-F687-4f45-9708-019B960494DF}">
-                <a14:hiddenLine xmlns:a14="http://schemas.microsoft.com/office/drawing/2010/main" xmlns="" w="9525">
+                <a14:hiddenLine xmlns="" xmlns:a14="http://schemas.microsoft.com/office/drawing/2010/main" w="9525">
                   <a:solidFill>
                     <a:srgbClr val="000000"/>
                   </a:solidFill>
@@ -2724,7 +2730,7 @@
             </a:ln>
             <a:extLst>
               <a:ext uri="{91240B29-F687-4f45-9708-019B960494DF}">
-                <a14:hiddenLine xmlns:a14="http://schemas.microsoft.com/office/drawing/2010/main" xmlns="" w="9525">
+                <a14:hiddenLine xmlns="" xmlns:a14="http://schemas.microsoft.com/office/drawing/2010/main" w="9525">
                   <a:solidFill>
                     <a:srgbClr val="000000"/>
                   </a:solidFill>
@@ -2786,7 +2792,7 @@
             </a:ln>
             <a:extLst>
               <a:ext uri="{91240B29-F687-4f45-9708-019B960494DF}">
-                <a14:hiddenLine xmlns:a14="http://schemas.microsoft.com/office/drawing/2010/main" xmlns="" w="9525">
+                <a14:hiddenLine xmlns="" xmlns:a14="http://schemas.microsoft.com/office/drawing/2010/main" w="9525">
                   <a:solidFill>
                     <a:srgbClr val="000000"/>
                   </a:solidFill>
@@ -2876,7 +2882,7 @@
             </a:ln>
             <a:extLst>
               <a:ext uri="{91240B29-F687-4f45-9708-019B960494DF}">
-                <a14:hiddenLine xmlns:a14="http://schemas.microsoft.com/office/drawing/2010/main" xmlns="" w="9525">
+                <a14:hiddenLine xmlns="" xmlns:a14="http://schemas.microsoft.com/office/drawing/2010/main" w="9525">
                   <a:solidFill>
                     <a:srgbClr val="000000"/>
                   </a:solidFill>
@@ -2938,7 +2944,7 @@
             </a:ln>
             <a:extLst>
               <a:ext uri="{91240B29-F687-4f45-9708-019B960494DF}">
-                <a14:hiddenLine xmlns:a14="http://schemas.microsoft.com/office/drawing/2010/main" xmlns="" w="9525">
+                <a14:hiddenLine xmlns="" xmlns:a14="http://schemas.microsoft.com/office/drawing/2010/main" w="9525">
                   <a:solidFill>
                     <a:srgbClr val="000000"/>
                   </a:solidFill>
@@ -3028,7 +3034,7 @@
             </a:ln>
             <a:extLst>
               <a:ext uri="{91240B29-F687-4f45-9708-019B960494DF}">
-                <a14:hiddenLine xmlns:a14="http://schemas.microsoft.com/office/drawing/2010/main" xmlns="" w="9525">
+                <a14:hiddenLine xmlns="" xmlns:a14="http://schemas.microsoft.com/office/drawing/2010/main" w="9525">
                   <a:solidFill>
                     <a:srgbClr val="000000"/>
                   </a:solidFill>
@@ -3090,7 +3096,7 @@
             </a:ln>
             <a:extLst>
               <a:ext uri="{91240B29-F687-4f45-9708-019B960494DF}">
-                <a14:hiddenLine xmlns:a14="http://schemas.microsoft.com/office/drawing/2010/main" xmlns="" w="9525">
+                <a14:hiddenLine xmlns="" xmlns:a14="http://schemas.microsoft.com/office/drawing/2010/main" w="9525">
                   <a:solidFill>
                     <a:srgbClr val="000000"/>
                   </a:solidFill>
@@ -3180,7 +3186,7 @@
             </a:ln>
             <a:extLst>
               <a:ext uri="{91240B29-F687-4f45-9708-019B960494DF}">
-                <a14:hiddenLine xmlns:a14="http://schemas.microsoft.com/office/drawing/2010/main" xmlns="" w="9525">
+                <a14:hiddenLine xmlns="" xmlns:a14="http://schemas.microsoft.com/office/drawing/2010/main" w="9525">
                   <a:solidFill>
                     <a:srgbClr val="000000"/>
                   </a:solidFill>
@@ -3214,7 +3220,7 @@
             </a:ln>
             <a:extLst>
               <a:ext uri="{91240B29-F687-4f45-9708-019B960494DF}">
-                <a14:hiddenLine xmlns:a14="http://schemas.microsoft.com/office/drawing/2010/main" xmlns="" w="9525">
+                <a14:hiddenLine xmlns="" xmlns:a14="http://schemas.microsoft.com/office/drawing/2010/main" w="9525">
                   <a:solidFill>
                     <a:srgbClr val="000000"/>
                   </a:solidFill>
@@ -3279,7 +3285,7 @@
             </a:ln>
             <a:extLst>
               <a:ext uri="{91240B29-F687-4f45-9708-019B960494DF}">
-                <a14:hiddenLine xmlns:a14="http://schemas.microsoft.com/office/drawing/2010/main" xmlns="" w="9525">
+                <a14:hiddenLine xmlns="" xmlns:a14="http://schemas.microsoft.com/office/drawing/2010/main" w="9525">
                   <a:solidFill>
                     <a:srgbClr val="000000"/>
                   </a:solidFill>
@@ -3369,7 +3375,7 @@
             </a:ln>
             <a:extLst>
               <a:ext uri="{91240B29-F687-4f45-9708-019B960494DF}">
-                <a14:hiddenLine xmlns:a14="http://schemas.microsoft.com/office/drawing/2010/main" xmlns="" w="9525">
+                <a14:hiddenLine xmlns="" xmlns:a14="http://schemas.microsoft.com/office/drawing/2010/main" w="9525">
                   <a:solidFill>
                     <a:srgbClr val="000000"/>
                   </a:solidFill>
@@ -3431,7 +3437,7 @@
             </a:ln>
             <a:extLst>
               <a:ext uri="{91240B29-F687-4f45-9708-019B960494DF}">
-                <a14:hiddenLine xmlns:a14="http://schemas.microsoft.com/office/drawing/2010/main" xmlns="" w="9525">
+                <a14:hiddenLine xmlns="" xmlns:a14="http://schemas.microsoft.com/office/drawing/2010/main" w="9525">
                   <a:solidFill>
                     <a:srgbClr val="000000"/>
                   </a:solidFill>
@@ -3521,7 +3527,7 @@
             </a:ln>
             <a:extLst>
               <a:ext uri="{91240B29-F687-4f45-9708-019B960494DF}">
-                <a14:hiddenLine xmlns:a14="http://schemas.microsoft.com/office/drawing/2010/main" xmlns="" w="9525">
+                <a14:hiddenLine xmlns="" xmlns:a14="http://schemas.microsoft.com/office/drawing/2010/main" w="9525">
                   <a:solidFill>
                     <a:srgbClr val="000000"/>
                   </a:solidFill>
@@ -3611,7 +3617,7 @@
             </a:ln>
             <a:extLst>
               <a:ext uri="{91240B29-F687-4f45-9708-019B960494DF}">
-                <a14:hiddenLine xmlns:a14="http://schemas.microsoft.com/office/drawing/2010/main" xmlns="" w="9525">
+                <a14:hiddenLine xmlns="" xmlns:a14="http://schemas.microsoft.com/office/drawing/2010/main" w="9525">
                   <a:solidFill>
                     <a:srgbClr val="000000"/>
                   </a:solidFill>
@@ -3676,7 +3682,7 @@
             </a:ln>
             <a:extLst>
               <a:ext uri="{91240B29-F687-4f45-9708-019B960494DF}">
-                <a14:hiddenLine xmlns:a14="http://schemas.microsoft.com/office/drawing/2010/main" xmlns="" w="9525">
+                <a14:hiddenLine xmlns="" xmlns:a14="http://schemas.microsoft.com/office/drawing/2010/main" w="9525">
                   <a:solidFill>
                     <a:srgbClr val="000000"/>
                   </a:solidFill>
@@ -3738,7 +3744,7 @@
             </a:ln>
             <a:extLst>
               <a:ext uri="{91240B29-F687-4f45-9708-019B960494DF}">
-                <a14:hiddenLine xmlns:a14="http://schemas.microsoft.com/office/drawing/2010/main" xmlns="" w="9525">
+                <a14:hiddenLine xmlns="" xmlns:a14="http://schemas.microsoft.com/office/drawing/2010/main" w="9525">
                   <a:solidFill>
                     <a:srgbClr val="000000"/>
                   </a:solidFill>
@@ -3828,7 +3834,7 @@
             </a:ln>
             <a:extLst>
               <a:ext uri="{91240B29-F687-4f45-9708-019B960494DF}">
-                <a14:hiddenLine xmlns:a14="http://schemas.microsoft.com/office/drawing/2010/main" xmlns="" w="9525">
+                <a14:hiddenLine xmlns="" xmlns:a14="http://schemas.microsoft.com/office/drawing/2010/main" w="9525">
                   <a:solidFill>
                     <a:srgbClr val="000000"/>
                   </a:solidFill>
@@ -3918,7 +3924,7 @@
             </a:ln>
             <a:extLst>
               <a:ext uri="{91240B29-F687-4f45-9708-019B960494DF}">
-                <a14:hiddenLine xmlns:a14="http://schemas.microsoft.com/office/drawing/2010/main" xmlns="" w="9525">
+                <a14:hiddenLine xmlns="" xmlns:a14="http://schemas.microsoft.com/office/drawing/2010/main" w="9525">
                   <a:solidFill>
                     <a:srgbClr val="000000"/>
                   </a:solidFill>
@@ -3980,7 +3986,7 @@
             </a:ln>
             <a:extLst>
               <a:ext uri="{91240B29-F687-4f45-9708-019B960494DF}">
-                <a14:hiddenLine xmlns:a14="http://schemas.microsoft.com/office/drawing/2010/main" xmlns="" w="9525">
+                <a14:hiddenLine xmlns="" xmlns:a14="http://schemas.microsoft.com/office/drawing/2010/main" w="9525">
                   <a:solidFill>
                     <a:srgbClr val="000000"/>
                   </a:solidFill>
@@ -4100,7 +4106,7 @@
             </a:ln>
             <a:extLst>
               <a:ext uri="{91240B29-F687-4f45-9708-019B960494DF}">
-                <a14:hiddenLine xmlns:a14="http://schemas.microsoft.com/office/drawing/2010/main" xmlns="" w="9525">
+                <a14:hiddenLine xmlns="" xmlns:a14="http://schemas.microsoft.com/office/drawing/2010/main" w="9525">
                   <a:solidFill>
                     <a:srgbClr val="000000"/>
                   </a:solidFill>
@@ -4168,7 +4174,7 @@
             </a:ln>
             <a:extLst>
               <a:ext uri="{91240B29-F687-4f45-9708-019B960494DF}">
-                <a14:hiddenLine xmlns:a14="http://schemas.microsoft.com/office/drawing/2010/main" xmlns="" w="9525">
+                <a14:hiddenLine xmlns="" xmlns:a14="http://schemas.microsoft.com/office/drawing/2010/main" w="9525">
                   <a:solidFill>
                     <a:srgbClr val="000000"/>
                   </a:solidFill>
@@ -4258,7 +4264,7 @@
             </a:ln>
             <a:extLst>
               <a:ext uri="{91240B29-F687-4f45-9708-019B960494DF}">
-                <a14:hiddenLine xmlns:a14="http://schemas.microsoft.com/office/drawing/2010/main" xmlns="" w="9525">
+                <a14:hiddenLine xmlns="" xmlns:a14="http://schemas.microsoft.com/office/drawing/2010/main" w="9525">
                   <a:solidFill>
                     <a:srgbClr val="000000"/>
                   </a:solidFill>
@@ -8987,7 +8993,7 @@
           <a:noFill/>
           <a:extLst>
             <a:ext uri="{909E8E84-426E-40dd-AFC4-6F175D3DCCD1}">
-              <a14:hiddenFill xmlns:a14="http://schemas.microsoft.com/office/drawing/2010/main" xmlns="">
+              <a14:hiddenFill xmlns="" xmlns:a14="http://schemas.microsoft.com/office/drawing/2010/main">
                 <a:solidFill>
                   <a:srgbClr val="FFFFFF"/>
                 </a:solidFill>
@@ -9061,7 +9067,7 @@
               </a:ln>
               <a:extLst>
                 <a:ext uri="{91240B29-F687-4f45-9708-019B960494DF}">
-                  <a14:hiddenLine xmlns:a14="http://schemas.microsoft.com/office/drawing/2010/main" xmlns="" w="9525">
+                  <a14:hiddenLine xmlns="" xmlns:a14="http://schemas.microsoft.com/office/drawing/2010/main" w="9525">
                     <a:solidFill>
                       <a:srgbClr val="000000"/>
                     </a:solidFill>
@@ -9151,7 +9157,7 @@
               </a:ln>
               <a:extLst>
                 <a:ext uri="{91240B29-F687-4f45-9708-019B960494DF}">
-                  <a14:hiddenLine xmlns:a14="http://schemas.microsoft.com/office/drawing/2010/main" xmlns="" w="9525">
+                  <a14:hiddenLine xmlns="" xmlns:a14="http://schemas.microsoft.com/office/drawing/2010/main" w="9525">
                     <a:solidFill>
                       <a:srgbClr val="000000"/>
                     </a:solidFill>
@@ -9241,7 +9247,7 @@
               </a:ln>
               <a:extLst>
                 <a:ext uri="{91240B29-F687-4f45-9708-019B960494DF}">
-                  <a14:hiddenLine xmlns:a14="http://schemas.microsoft.com/office/drawing/2010/main" xmlns="" w="9525">
+                  <a14:hiddenLine xmlns="" xmlns:a14="http://schemas.microsoft.com/office/drawing/2010/main" w="9525">
                     <a:solidFill>
                       <a:srgbClr val="000000"/>
                     </a:solidFill>
@@ -9303,7 +9309,7 @@
               </a:ln>
               <a:extLst>
                 <a:ext uri="{91240B29-F687-4f45-9708-019B960494DF}">
-                  <a14:hiddenLine xmlns:a14="http://schemas.microsoft.com/office/drawing/2010/main" xmlns="" w="9525">
+                  <a14:hiddenLine xmlns="" xmlns:a14="http://schemas.microsoft.com/office/drawing/2010/main" w="9525">
                     <a:solidFill>
                       <a:srgbClr val="000000"/>
                     </a:solidFill>
@@ -9393,7 +9399,7 @@
               </a:ln>
               <a:extLst>
                 <a:ext uri="{91240B29-F687-4f45-9708-019B960494DF}">
-                  <a14:hiddenLine xmlns:a14="http://schemas.microsoft.com/office/drawing/2010/main" xmlns="" w="9525">
+                  <a14:hiddenLine xmlns="" xmlns:a14="http://schemas.microsoft.com/office/drawing/2010/main" w="9525">
                     <a:solidFill>
                       <a:srgbClr val="000000"/>
                     </a:solidFill>
@@ -9455,7 +9461,7 @@
               </a:ln>
               <a:extLst>
                 <a:ext uri="{91240B29-F687-4f45-9708-019B960494DF}">
-                  <a14:hiddenLine xmlns:a14="http://schemas.microsoft.com/office/drawing/2010/main" xmlns="" w="9525">
+                  <a14:hiddenLine xmlns="" xmlns:a14="http://schemas.microsoft.com/office/drawing/2010/main" w="9525">
                     <a:solidFill>
                       <a:srgbClr val="000000"/>
                     </a:solidFill>
@@ -9517,7 +9523,7 @@
               </a:ln>
               <a:extLst>
                 <a:ext uri="{91240B29-F687-4f45-9708-019B960494DF}">
-                  <a14:hiddenLine xmlns:a14="http://schemas.microsoft.com/office/drawing/2010/main" xmlns="" w="9525">
+                  <a14:hiddenLine xmlns="" xmlns:a14="http://schemas.microsoft.com/office/drawing/2010/main" w="9525">
                     <a:solidFill>
                       <a:srgbClr val="000000"/>
                     </a:solidFill>
@@ -9607,7 +9613,7 @@
               </a:ln>
               <a:extLst>
                 <a:ext uri="{91240B29-F687-4f45-9708-019B960494DF}">
-                  <a14:hiddenLine xmlns:a14="http://schemas.microsoft.com/office/drawing/2010/main" xmlns="" w="9525">
+                  <a14:hiddenLine xmlns="" xmlns:a14="http://schemas.microsoft.com/office/drawing/2010/main" w="9525">
                     <a:solidFill>
                       <a:srgbClr val="000000"/>
                     </a:solidFill>
@@ -9697,7 +9703,7 @@
               </a:ln>
               <a:extLst>
                 <a:ext uri="{91240B29-F687-4f45-9708-019B960494DF}">
-                  <a14:hiddenLine xmlns:a14="http://schemas.microsoft.com/office/drawing/2010/main" xmlns="" w="9525">
+                  <a14:hiddenLine xmlns="" xmlns:a14="http://schemas.microsoft.com/office/drawing/2010/main" w="9525">
                     <a:solidFill>
                       <a:srgbClr val="000000"/>
                     </a:solidFill>
@@ -9759,7 +9765,7 @@
               </a:ln>
               <a:extLst>
                 <a:ext uri="{91240B29-F687-4f45-9708-019B960494DF}">
-                  <a14:hiddenLine xmlns:a14="http://schemas.microsoft.com/office/drawing/2010/main" xmlns="" w="9525">
+                  <a14:hiddenLine xmlns="" xmlns:a14="http://schemas.microsoft.com/office/drawing/2010/main" w="9525">
                     <a:solidFill>
                       <a:srgbClr val="000000"/>
                     </a:solidFill>
@@ -9869,7 +9875,7 @@
               </a:ln>
               <a:extLst>
                 <a:ext uri="{91240B29-F687-4f45-9708-019B960494DF}">
-                  <a14:hiddenLine xmlns:a14="http://schemas.microsoft.com/office/drawing/2010/main" xmlns="" w="9525">
+                  <a14:hiddenLine xmlns="" xmlns:a14="http://schemas.microsoft.com/office/drawing/2010/main" w="9525">
                     <a:solidFill>
                       <a:srgbClr val="000000"/>
                     </a:solidFill>
@@ -9953,7 +9959,7 @@
               </a:ln>
               <a:extLst>
                 <a:ext uri="{91240B29-F687-4f45-9708-019B960494DF}">
-                  <a14:hiddenLine xmlns:a14="http://schemas.microsoft.com/office/drawing/2010/main" xmlns="" w="9525">
+                  <a14:hiddenLine xmlns="" xmlns:a14="http://schemas.microsoft.com/office/drawing/2010/main" w="9525">
                     <a:solidFill>
                       <a:srgbClr val="000000"/>
                     </a:solidFill>
@@ -10015,7 +10021,7 @@
               </a:ln>
               <a:extLst>
                 <a:ext uri="{91240B29-F687-4f45-9708-019B960494DF}">
-                  <a14:hiddenLine xmlns:a14="http://schemas.microsoft.com/office/drawing/2010/main" xmlns="" w="9525">
+                  <a14:hiddenLine xmlns="" xmlns:a14="http://schemas.microsoft.com/office/drawing/2010/main" w="9525">
                     <a:solidFill>
                       <a:srgbClr val="000000"/>
                     </a:solidFill>
@@ -10077,7 +10083,7 @@
               </a:ln>
               <a:extLst>
                 <a:ext uri="{91240B29-F687-4f45-9708-019B960494DF}">
-                  <a14:hiddenLine xmlns:a14="http://schemas.microsoft.com/office/drawing/2010/main" xmlns="" w="9525">
+                  <a14:hiddenLine xmlns="" xmlns:a14="http://schemas.microsoft.com/office/drawing/2010/main" w="9525">
                     <a:solidFill>
                       <a:srgbClr val="000000"/>
                     </a:solidFill>
@@ -10167,7 +10173,7 @@
               </a:ln>
               <a:extLst>
                 <a:ext uri="{91240B29-F687-4f45-9708-019B960494DF}">
-                  <a14:hiddenLine xmlns:a14="http://schemas.microsoft.com/office/drawing/2010/main" xmlns="" w="9525">
+                  <a14:hiddenLine xmlns="" xmlns:a14="http://schemas.microsoft.com/office/drawing/2010/main" w="9525">
                     <a:solidFill>
                       <a:srgbClr val="000000"/>
                     </a:solidFill>
@@ -10201,7 +10207,7 @@
               </a:ln>
               <a:extLst>
                 <a:ext uri="{91240B29-F687-4f45-9708-019B960494DF}">
-                  <a14:hiddenLine xmlns:a14="http://schemas.microsoft.com/office/drawing/2010/main" xmlns="" w="9525">
+                  <a14:hiddenLine xmlns="" xmlns:a14="http://schemas.microsoft.com/office/drawing/2010/main" w="9525">
                     <a:solidFill>
                       <a:srgbClr val="000000"/>
                     </a:solidFill>
@@ -10266,7 +10272,7 @@
               </a:ln>
               <a:extLst>
                 <a:ext uri="{91240B29-F687-4f45-9708-019B960494DF}">
-                  <a14:hiddenLine xmlns:a14="http://schemas.microsoft.com/office/drawing/2010/main" xmlns="" w="9525">
+                  <a14:hiddenLine xmlns="" xmlns:a14="http://schemas.microsoft.com/office/drawing/2010/main" w="9525">
                     <a:solidFill>
                       <a:srgbClr val="000000"/>
                     </a:solidFill>
@@ -10356,7 +10362,7 @@
               </a:ln>
               <a:extLst>
                 <a:ext uri="{91240B29-F687-4f45-9708-019B960494DF}">
-                  <a14:hiddenLine xmlns:a14="http://schemas.microsoft.com/office/drawing/2010/main" xmlns="" w="9525">
+                  <a14:hiddenLine xmlns="" xmlns:a14="http://schemas.microsoft.com/office/drawing/2010/main" w="9525">
                     <a:solidFill>
                       <a:srgbClr val="000000"/>
                     </a:solidFill>
@@ -10418,7 +10424,7 @@
               </a:ln>
               <a:extLst>
                 <a:ext uri="{91240B29-F687-4f45-9708-019B960494DF}">
-                  <a14:hiddenLine xmlns:a14="http://schemas.microsoft.com/office/drawing/2010/main" xmlns="" w="9525">
+                  <a14:hiddenLine xmlns="" xmlns:a14="http://schemas.microsoft.com/office/drawing/2010/main" w="9525">
                     <a:solidFill>
                       <a:srgbClr val="000000"/>
                     </a:solidFill>
@@ -10508,7 +10514,7 @@
               </a:ln>
               <a:extLst>
                 <a:ext uri="{91240B29-F687-4f45-9708-019B960494DF}">
-                  <a14:hiddenLine xmlns:a14="http://schemas.microsoft.com/office/drawing/2010/main" xmlns="" w="9525">
+                  <a14:hiddenLine xmlns="" xmlns:a14="http://schemas.microsoft.com/office/drawing/2010/main" w="9525">
                     <a:solidFill>
                       <a:srgbClr val="000000"/>
                     </a:solidFill>
@@ -10573,7 +10579,7 @@
               </a:ln>
               <a:extLst>
                 <a:ext uri="{91240B29-F687-4f45-9708-019B960494DF}">
-                  <a14:hiddenLine xmlns:a14="http://schemas.microsoft.com/office/drawing/2010/main" xmlns="" w="9525">
+                  <a14:hiddenLine xmlns="" xmlns:a14="http://schemas.microsoft.com/office/drawing/2010/main" w="9525">
                     <a:solidFill>
                       <a:srgbClr val="000000"/>
                     </a:solidFill>
@@ -10635,7 +10641,7 @@
               </a:ln>
               <a:extLst>
                 <a:ext uri="{91240B29-F687-4f45-9708-019B960494DF}">
-                  <a14:hiddenLine xmlns:a14="http://schemas.microsoft.com/office/drawing/2010/main" xmlns="" w="9525">
+                  <a14:hiddenLine xmlns="" xmlns:a14="http://schemas.microsoft.com/office/drawing/2010/main" w="9525">
                     <a:solidFill>
                       <a:srgbClr val="000000"/>
                     </a:solidFill>
@@ -10725,7 +10731,7 @@
               </a:ln>
               <a:extLst>
                 <a:ext uri="{91240B29-F687-4f45-9708-019B960494DF}">
-                  <a14:hiddenLine xmlns:a14="http://schemas.microsoft.com/office/drawing/2010/main" xmlns="" w="9525">
+                  <a14:hiddenLine xmlns="" xmlns:a14="http://schemas.microsoft.com/office/drawing/2010/main" w="9525">
                     <a:solidFill>
                       <a:srgbClr val="000000"/>
                     </a:solidFill>
@@ -10815,7 +10821,7 @@
               </a:ln>
               <a:extLst>
                 <a:ext uri="{91240B29-F687-4f45-9708-019B960494DF}">
-                  <a14:hiddenLine xmlns:a14="http://schemas.microsoft.com/office/drawing/2010/main" xmlns="" w="9525">
+                  <a14:hiddenLine xmlns="" xmlns:a14="http://schemas.microsoft.com/office/drawing/2010/main" w="9525">
                     <a:solidFill>
                       <a:srgbClr val="000000"/>
                     </a:solidFill>
@@ -10880,7 +10886,7 @@
               </a:ln>
               <a:extLst>
                 <a:ext uri="{91240B29-F687-4f45-9708-019B960494DF}">
-                  <a14:hiddenLine xmlns:a14="http://schemas.microsoft.com/office/drawing/2010/main" xmlns="" w="9525">
+                  <a14:hiddenLine xmlns="" xmlns:a14="http://schemas.microsoft.com/office/drawing/2010/main" w="9525">
                     <a:solidFill>
                       <a:srgbClr val="000000"/>
                     </a:solidFill>
@@ -11000,7 +11006,7 @@
               </a:ln>
               <a:extLst>
                 <a:ext uri="{91240B29-F687-4f45-9708-019B960494DF}">
-                  <a14:hiddenLine xmlns:a14="http://schemas.microsoft.com/office/drawing/2010/main" xmlns="" w="9525">
+                  <a14:hiddenLine xmlns="" xmlns:a14="http://schemas.microsoft.com/office/drawing/2010/main" w="9525">
                     <a:solidFill>
                       <a:srgbClr val="000000"/>
                     </a:solidFill>
@@ -11081,7 +11087,7 @@
               </a:ln>
               <a:extLst>
                 <a:ext uri="{91240B29-F687-4f45-9708-019B960494DF}">
-                  <a14:hiddenLine xmlns:a14="http://schemas.microsoft.com/office/drawing/2010/main" xmlns="" w="9525">
+                  <a14:hiddenLine xmlns="" xmlns:a14="http://schemas.microsoft.com/office/drawing/2010/main" w="9525">
                     <a:solidFill>
                       <a:srgbClr val="000000"/>
                     </a:solidFill>
@@ -11196,7 +11202,7 @@
               </a:ln>
               <a:extLst>
                 <a:ext uri="{91240B29-F687-4f45-9708-019B960494DF}">
-                  <a14:hiddenLine xmlns:a14="http://schemas.microsoft.com/office/drawing/2010/main" xmlns="" w="9525">
+                  <a14:hiddenLine xmlns="" xmlns:a14="http://schemas.microsoft.com/office/drawing/2010/main" w="9525">
                     <a:solidFill>
                       <a:srgbClr val="000000"/>
                     </a:solidFill>
@@ -11286,7 +11292,7 @@
               </a:ln>
               <a:extLst>
                 <a:ext uri="{91240B29-F687-4f45-9708-019B960494DF}">
-                  <a14:hiddenLine xmlns:a14="http://schemas.microsoft.com/office/drawing/2010/main" xmlns="" w="9525">
+                  <a14:hiddenLine xmlns="" xmlns:a14="http://schemas.microsoft.com/office/drawing/2010/main" w="9525">
                     <a:solidFill>
                       <a:srgbClr val="000000"/>
                     </a:solidFill>
@@ -11351,7 +11357,7 @@
               </a:ln>
               <a:extLst>
                 <a:ext uri="{91240B29-F687-4f45-9708-019B960494DF}">
-                  <a14:hiddenLine xmlns:a14="http://schemas.microsoft.com/office/drawing/2010/main" xmlns="" w="9525">
+                  <a14:hiddenLine xmlns="" xmlns:a14="http://schemas.microsoft.com/office/drawing/2010/main" w="9525">
                     <a:solidFill>
                       <a:srgbClr val="000000"/>
                     </a:solidFill>
@@ -11441,7 +11447,7 @@
               </a:ln>
               <a:extLst>
                 <a:ext uri="{91240B29-F687-4f45-9708-019B960494DF}">
-                  <a14:hiddenLine xmlns:a14="http://schemas.microsoft.com/office/drawing/2010/main" xmlns="" w="9525">
+                  <a14:hiddenLine xmlns="" xmlns:a14="http://schemas.microsoft.com/office/drawing/2010/main" w="9525">
                     <a:solidFill>
                       <a:srgbClr val="000000"/>
                     </a:solidFill>
@@ -11509,7 +11515,7 @@
               </a:ln>
               <a:extLst>
                 <a:ext uri="{91240B29-F687-4f45-9708-019B960494DF}">
-                  <a14:hiddenLine xmlns:a14="http://schemas.microsoft.com/office/drawing/2010/main" xmlns="" w="9525">
+                  <a14:hiddenLine xmlns="" xmlns:a14="http://schemas.microsoft.com/office/drawing/2010/main" w="9525">
                     <a:solidFill>
                       <a:srgbClr val="000000"/>
                     </a:solidFill>
@@ -11599,7 +11605,7 @@
               </a:ln>
               <a:extLst>
                 <a:ext uri="{91240B29-F687-4f45-9708-019B960494DF}">
-                  <a14:hiddenLine xmlns:a14="http://schemas.microsoft.com/office/drawing/2010/main" xmlns="" w="9525">
+                  <a14:hiddenLine xmlns="" xmlns:a14="http://schemas.microsoft.com/office/drawing/2010/main" w="9525">
                     <a:solidFill>
                       <a:srgbClr val="000000"/>
                     </a:solidFill>
@@ -11667,7 +11673,7 @@
               </a:ln>
               <a:extLst>
                 <a:ext uri="{91240B29-F687-4f45-9708-019B960494DF}">
-                  <a14:hiddenLine xmlns:a14="http://schemas.microsoft.com/office/drawing/2010/main" xmlns="" w="9525">
+                  <a14:hiddenLine xmlns="" xmlns:a14="http://schemas.microsoft.com/office/drawing/2010/main" w="9525">
                     <a:solidFill>
                       <a:srgbClr val="000000"/>
                     </a:solidFill>
@@ -11757,7 +11763,7 @@
               </a:ln>
               <a:extLst>
                 <a:ext uri="{91240B29-F687-4f45-9708-019B960494DF}">
-                  <a14:hiddenLine xmlns:a14="http://schemas.microsoft.com/office/drawing/2010/main" xmlns="" w="9525">
+                  <a14:hiddenLine xmlns="" xmlns:a14="http://schemas.microsoft.com/office/drawing/2010/main" w="9525">
                     <a:solidFill>
                       <a:srgbClr val="000000"/>
                     </a:solidFill>
@@ -11791,7 +11797,7 @@
               </a:ln>
               <a:extLst>
                 <a:ext uri="{91240B29-F687-4f45-9708-019B960494DF}">
-                  <a14:hiddenLine xmlns:a14="http://schemas.microsoft.com/office/drawing/2010/main" xmlns="" w="9525">
+                  <a14:hiddenLine xmlns="" xmlns:a14="http://schemas.microsoft.com/office/drawing/2010/main" w="9525">
                     <a:solidFill>
                       <a:srgbClr val="000000"/>
                     </a:solidFill>
@@ -12433,6 +12439,654 @@
 <file path=ppt/slides/slide10.xml><?xml version="1.0" encoding="utf-8"?>
 <p:sld xmlns:a="http://schemas.openxmlformats.org/drawingml/2006/main" xmlns:r="http://schemas.openxmlformats.org/officeDocument/2006/relationships" xmlns:p="http://schemas.openxmlformats.org/presentationml/2006/main">
   <p:cSld>
+    <p:bg>
+      <p:bgPr>
+        <a:solidFill>
+          <a:schemeClr val="tx1"/>
+        </a:solidFill>
+        <a:effectLst/>
+      </p:bgPr>
+    </p:bg>
+    <p:spTree>
+      <p:nvGrpSpPr>
+        <p:cNvPr id="1" name=""/>
+        <p:cNvGrpSpPr/>
+        <p:nvPr/>
+      </p:nvGrpSpPr>
+      <p:grpSpPr>
+        <a:xfrm>
+          <a:off x="0" y="0"/>
+          <a:ext cx="0" cy="0"/>
+          <a:chOff x="0" y="0"/>
+          <a:chExt cx="0" cy="0"/>
+        </a:xfrm>
+      </p:grpSpPr>
+      <p:pic>
+        <p:nvPicPr>
+          <p:cNvPr id="2" name="Picture 1"/>
+          <p:cNvPicPr>
+            <a:picLocks noChangeAspect="1"/>
+          </p:cNvPicPr>
+          <p:nvPr/>
+        </p:nvPicPr>
+        <p:blipFill>
+          <a:blip r:embed="rId2"/>
+          <a:stretch>
+            <a:fillRect/>
+          </a:stretch>
+        </p:blipFill>
+        <p:spPr>
+          <a:xfrm>
+            <a:off x="1848711" y="571417"/>
+            <a:ext cx="5882506" cy="5416145"/>
+          </a:xfrm>
+          <a:prstGeom prst="rect">
+            <a:avLst/>
+          </a:prstGeom>
+        </p:spPr>
+      </p:pic>
+      <p:sp>
+        <p:nvSpPr>
+          <p:cNvPr id="3" name="Rectangle 2"/>
+          <p:cNvSpPr/>
+          <p:nvPr/>
+        </p:nvSpPr>
+        <p:spPr>
+          <a:xfrm>
+            <a:off x="1986983" y="5750169"/>
+            <a:ext cx="4360984" cy="707886"/>
+          </a:xfrm>
+          <a:prstGeom prst="rect">
+            <a:avLst/>
+          </a:prstGeom>
+        </p:spPr>
+        <p:txBody>
+          <a:bodyPr wrap="square">
+            <a:spAutoFit/>
+          </a:bodyPr>
+          <a:lstStyle/>
+          <a:p>
+            <a:r>
+              <a:rPr lang="en-US" sz="4000" dirty="0">
+                <a:solidFill>
+                  <a:schemeClr val="bg1">
+                    <a:lumMod val="75000"/>
+                    <a:lumOff val="25000"/>
+                  </a:schemeClr>
+                </a:solidFill>
+                <a:latin typeface="Lucida Fax" panose="02060602050505020204" pitchFamily="18" charset="0"/>
+              </a:rPr>
+              <a:t>TESTING</a:t>
+            </a:r>
+            <a:endParaRPr lang="en-US" sz="4000" dirty="0">
+              <a:solidFill>
+                <a:schemeClr val="bg1">
+                  <a:lumMod val="75000"/>
+                  <a:lumOff val="25000"/>
+                </a:schemeClr>
+              </a:solidFill>
+            </a:endParaRPr>
+          </a:p>
+        </p:txBody>
+      </p:sp>
+      <mc:AlternateContent xmlns:mc="http://schemas.openxmlformats.org/markup-compatibility/2006">
+        <mc:Choice xmlns:a14="http://schemas.microsoft.com/office/drawing/2010/main" Requires="a14">
+          <p:sp>
+            <p:nvSpPr>
+              <p:cNvPr id="5" name="Rectangle 4"/>
+              <p:cNvSpPr/>
+              <p:nvPr/>
+            </p:nvSpPr>
+            <p:spPr>
+              <a:xfrm>
+                <a:off x="5967046" y="2153818"/>
+                <a:ext cx="6096000" cy="1399422"/>
+              </a:xfrm>
+              <a:prstGeom prst="rect">
+                <a:avLst/>
+              </a:prstGeom>
+            </p:spPr>
+            <p:txBody>
+              <a:bodyPr>
+                <a:spAutoFit/>
+              </a:bodyPr>
+              <a:lstStyle/>
+              <a:p>
+                <a14:m>
+                  <m:oMathPara xmlns:m="http://schemas.openxmlformats.org/officeDocument/2006/math">
+                    <m:oMathParaPr>
+                      <m:jc m:val="centerGroup"/>
+                    </m:oMathParaPr>
+                    <m:oMath xmlns:m="http://schemas.openxmlformats.org/officeDocument/2006/math">
+                      <m:r>
+                        <a:rPr lang="en-US" sz="2000" i="1" smtClean="0">
+                          <a:solidFill>
+                            <a:schemeClr val="bg1">
+                              <a:lumMod val="75000"/>
+                              <a:lumOff val="25000"/>
+                            </a:schemeClr>
+                          </a:solidFill>
+                          <a:latin typeface="Cambria Math" panose="02040503050406030204" pitchFamily="18" charset="0"/>
+                        </a:rPr>
+                        <m:t>𝑃𝑜𝑙𝑎𝑟𝑖𝑡𝑦</m:t>
+                      </m:r>
+                      <m:d>
+                        <m:dPr>
+                          <m:ctrlPr>
+                            <a:rPr lang="en-US" sz="2000" i="1">
+                              <a:solidFill>
+                                <a:schemeClr val="bg1">
+                                  <a:lumMod val="75000"/>
+                                  <a:lumOff val="25000"/>
+                                </a:schemeClr>
+                              </a:solidFill>
+                              <a:latin typeface="Cambria Math" panose="02040503050406030204" pitchFamily="18" charset="0"/>
+                            </a:rPr>
+                          </m:ctrlPr>
+                        </m:dPr>
+                        <m:e>
+                          <m:r>
+                            <a:rPr lang="en-US" sz="2000" i="1">
+                              <a:solidFill>
+                                <a:schemeClr val="bg1">
+                                  <a:lumMod val="75000"/>
+                                  <a:lumOff val="25000"/>
+                                </a:schemeClr>
+                              </a:solidFill>
+                              <a:latin typeface="Cambria Math" panose="02040503050406030204" pitchFamily="18" charset="0"/>
+                            </a:rPr>
+                            <m:t>𝑝h𝑟𝑎𝑠𝑒</m:t>
+                          </m:r>
+                        </m:e>
+                      </m:d>
+                      <m:r>
+                        <a:rPr lang="en-US" sz="2000" i="0" smtClean="0">
+                          <a:solidFill>
+                            <a:schemeClr val="bg1">
+                              <a:lumMod val="75000"/>
+                              <a:lumOff val="25000"/>
+                            </a:schemeClr>
+                          </a:solidFill>
+                          <a:latin typeface="Cambria Math" panose="02040503050406030204" pitchFamily="18" charset="0"/>
+                        </a:rPr>
+                        <m:t>=</m:t>
+                      </m:r>
+                    </m:oMath>
+                  </m:oMathPara>
+                </a14:m>
+                <a:endParaRPr lang="en-US" sz="2000" i="0" dirty="0">
+                  <a:solidFill>
+                    <a:schemeClr val="bg1">
+                      <a:lumMod val="75000"/>
+                      <a:lumOff val="25000"/>
+                    </a:schemeClr>
+                  </a:solidFill>
+                  <a:latin typeface="Cambria Math" panose="02040503050406030204" pitchFamily="18" charset="0"/>
+                </a:endParaRPr>
+              </a:p>
+              <a:p>
+                <a:endParaRPr lang="en-US" sz="2000" i="0" dirty="0">
+                  <a:solidFill>
+                    <a:schemeClr val="bg1">
+                      <a:lumMod val="75000"/>
+                      <a:lumOff val="25000"/>
+                    </a:schemeClr>
+                  </a:solidFill>
+                  <a:latin typeface="Cambria Math" panose="02040503050406030204" pitchFamily="18" charset="0"/>
+                </a:endParaRPr>
+              </a:p>
+              <a:p>
+                <a14:m>
+                  <m:oMathPara xmlns:m="http://schemas.openxmlformats.org/officeDocument/2006/math">
+                    <m:oMathParaPr>
+                      <m:jc m:val="centerGroup"/>
+                    </m:oMathParaPr>
+                    <m:oMath xmlns:m="http://schemas.openxmlformats.org/officeDocument/2006/math">
+                      <m:r>
+                        <a:rPr lang="en-US" sz="2000" i="0">
+                          <a:solidFill>
+                            <a:schemeClr val="bg1">
+                              <a:lumMod val="75000"/>
+                              <a:lumOff val="25000"/>
+                            </a:schemeClr>
+                          </a:solidFill>
+                          <a:latin typeface="Cambria Math" panose="02040503050406030204" pitchFamily="18" charset="0"/>
+                        </a:rPr>
+                        <m:t> </m:t>
+                      </m:r>
+                      <m:sSub>
+                        <m:sSubPr>
+                          <m:ctrlPr>
+                            <a:rPr lang="en-US" sz="2000" i="1">
+                              <a:solidFill>
+                                <a:schemeClr val="bg1">
+                                  <a:lumMod val="75000"/>
+                                  <a:lumOff val="25000"/>
+                                </a:schemeClr>
+                              </a:solidFill>
+                              <a:latin typeface="Cambria Math" panose="02040503050406030204" pitchFamily="18" charset="0"/>
+                            </a:rPr>
+                          </m:ctrlPr>
+                        </m:sSubPr>
+                        <m:e>
+                          <m:r>
+                            <a:rPr lang="en-US" sz="2000" i="1">
+                              <a:solidFill>
+                                <a:schemeClr val="bg1">
+                                  <a:lumMod val="75000"/>
+                                  <a:lumOff val="25000"/>
+                                </a:schemeClr>
+                              </a:solidFill>
+                              <a:latin typeface="Cambria Math" panose="02040503050406030204" pitchFamily="18" charset="0"/>
+                            </a:rPr>
+                            <m:t>𝑙𝑜𝑔</m:t>
+                          </m:r>
+                        </m:e>
+                        <m:sub>
+                          <m:r>
+                            <a:rPr lang="en-US" sz="2000" i="0">
+                              <a:solidFill>
+                                <a:schemeClr val="bg1">
+                                  <a:lumMod val="75000"/>
+                                  <a:lumOff val="25000"/>
+                                </a:schemeClr>
+                              </a:solidFill>
+                              <a:latin typeface="Cambria Math" panose="02040503050406030204" pitchFamily="18" charset="0"/>
+                            </a:rPr>
+                            <m:t>2</m:t>
+                          </m:r>
+                        </m:sub>
+                      </m:sSub>
+                      <m:d>
+                        <m:dPr>
+                          <m:ctrlPr>
+                            <a:rPr lang="en-US" sz="2000" i="1">
+                              <a:solidFill>
+                                <a:schemeClr val="bg1">
+                                  <a:lumMod val="75000"/>
+                                  <a:lumOff val="25000"/>
+                                </a:schemeClr>
+                              </a:solidFill>
+                              <a:latin typeface="Cambria Math" panose="02040503050406030204" pitchFamily="18" charset="0"/>
+                            </a:rPr>
+                          </m:ctrlPr>
+                        </m:dPr>
+                        <m:e>
+                          <m:f>
+                            <m:fPr>
+                              <m:ctrlPr>
+                                <a:rPr lang="en-US" sz="2000" i="1">
+                                  <a:solidFill>
+                                    <a:schemeClr val="bg1">
+                                      <a:lumMod val="75000"/>
+                                      <a:lumOff val="25000"/>
+                                    </a:schemeClr>
+                                  </a:solidFill>
+                                  <a:latin typeface="Cambria Math" panose="02040503050406030204" pitchFamily="18" charset="0"/>
+                                </a:rPr>
+                              </m:ctrlPr>
+                            </m:fPr>
+                            <m:num>
+                              <m:r>
+                                <a:rPr lang="en-US" sz="2000" i="1">
+                                  <a:solidFill>
+                                    <a:schemeClr val="bg1">
+                                      <a:lumMod val="75000"/>
+                                      <a:lumOff val="25000"/>
+                                    </a:schemeClr>
+                                  </a:solidFill>
+                                  <a:latin typeface="Cambria Math" panose="02040503050406030204" pitchFamily="18" charset="0"/>
+                                </a:rPr>
+                                <m:t>h𝑖𝑡𝑠</m:t>
+                              </m:r>
+                              <m:d>
+                                <m:dPr>
+                                  <m:ctrlPr>
+                                    <a:rPr lang="en-US" sz="2000" i="1">
+                                      <a:solidFill>
+                                        <a:schemeClr val="bg1">
+                                          <a:lumMod val="75000"/>
+                                          <a:lumOff val="25000"/>
+                                        </a:schemeClr>
+                                      </a:solidFill>
+                                      <a:latin typeface="Cambria Math" panose="02040503050406030204" pitchFamily="18" charset="0"/>
+                                    </a:rPr>
+                                  </m:ctrlPr>
+                                </m:dPr>
+                                <m:e>
+                                  <m:r>
+                                    <a:rPr lang="en-US" sz="2000" i="1">
+                                      <a:solidFill>
+                                        <a:schemeClr val="bg1">
+                                          <a:lumMod val="75000"/>
+                                          <a:lumOff val="25000"/>
+                                        </a:schemeClr>
+                                      </a:solidFill>
+                                      <a:latin typeface="Cambria Math" panose="02040503050406030204" pitchFamily="18" charset="0"/>
+                                    </a:rPr>
+                                    <m:t>𝑝h𝑟𝑎𝑠𝑒</m:t>
+                                  </m:r>
+                                  <m:r>
+                                    <a:rPr lang="en-US" sz="2000" i="0">
+                                      <a:solidFill>
+                                        <a:schemeClr val="bg1">
+                                          <a:lumMod val="75000"/>
+                                          <a:lumOff val="25000"/>
+                                        </a:schemeClr>
+                                      </a:solidFill>
+                                      <a:latin typeface="Cambria Math" panose="02040503050406030204" pitchFamily="18" charset="0"/>
+                                    </a:rPr>
+                                    <m:t> </m:t>
+                                  </m:r>
+                                  <m:r>
+                                    <a:rPr lang="en-US" sz="2000" i="1">
+                                      <a:solidFill>
+                                        <a:schemeClr val="bg1">
+                                          <a:lumMod val="75000"/>
+                                          <a:lumOff val="25000"/>
+                                        </a:schemeClr>
+                                      </a:solidFill>
+                                      <a:latin typeface="Cambria Math" panose="02040503050406030204" pitchFamily="18" charset="0"/>
+                                    </a:rPr>
+                                    <m:t>𝐼𝑁</m:t>
+                                  </m:r>
+                                  <m:r>
+                                    <a:rPr lang="en-US" sz="2000" i="0">
+                                      <a:solidFill>
+                                        <a:schemeClr val="bg1">
+                                          <a:lumMod val="75000"/>
+                                          <a:lumOff val="25000"/>
+                                        </a:schemeClr>
+                                      </a:solidFill>
+                                      <a:latin typeface="Cambria Math" panose="02040503050406030204" pitchFamily="18" charset="0"/>
+                                    </a:rPr>
+                                    <m:t> </m:t>
+                                  </m:r>
+                                  <m:r>
+                                    <a:rPr lang="en-US" sz="2000" i="1">
+                                      <a:solidFill>
+                                        <a:schemeClr val="bg1">
+                                          <a:lumMod val="75000"/>
+                                          <a:lumOff val="25000"/>
+                                        </a:schemeClr>
+                                      </a:solidFill>
+                                      <a:latin typeface="Cambria Math" panose="02040503050406030204" pitchFamily="18" charset="0"/>
+                                    </a:rPr>
+                                    <m:t>𝑝𝑜𝑠𝑖𝑡𝑖𝑣𝑒</m:t>
+                                  </m:r>
+                                </m:e>
+                              </m:d>
+                              <m:r>
+                                <a:rPr lang="en-US" sz="2000" i="0">
+                                  <a:solidFill>
+                                    <a:schemeClr val="bg1">
+                                      <a:lumMod val="75000"/>
+                                      <a:lumOff val="25000"/>
+                                    </a:schemeClr>
+                                  </a:solidFill>
+                                  <a:latin typeface="Cambria Math" panose="02040503050406030204" pitchFamily="18" charset="0"/>
+                                </a:rPr>
+                                <m:t>∗</m:t>
+                              </m:r>
+                              <m:r>
+                                <a:rPr lang="en-US" sz="2000" i="1">
+                                  <a:solidFill>
+                                    <a:schemeClr val="bg1">
+                                      <a:lumMod val="75000"/>
+                                      <a:lumOff val="25000"/>
+                                    </a:schemeClr>
+                                  </a:solidFill>
+                                  <a:latin typeface="Cambria Math" panose="02040503050406030204" pitchFamily="18" charset="0"/>
+                                </a:rPr>
+                                <m:t>𝑐𝑜𝑢𝑛𝑡</m:t>
+                              </m:r>
+                              <m:d>
+                                <m:dPr>
+                                  <m:ctrlPr>
+                                    <a:rPr lang="en-US" sz="2000" i="1">
+                                      <a:solidFill>
+                                        <a:schemeClr val="bg1">
+                                          <a:lumMod val="75000"/>
+                                          <a:lumOff val="25000"/>
+                                        </a:schemeClr>
+                                      </a:solidFill>
+                                      <a:latin typeface="Cambria Math" panose="02040503050406030204" pitchFamily="18" charset="0"/>
+                                    </a:rPr>
+                                  </m:ctrlPr>
+                                </m:dPr>
+                                <m:e>
+                                  <m:r>
+                                    <a:rPr lang="en-US" sz="2000" i="1">
+                                      <a:solidFill>
+                                        <a:schemeClr val="bg1">
+                                          <a:lumMod val="75000"/>
+                                          <a:lumOff val="25000"/>
+                                        </a:schemeClr>
+                                      </a:solidFill>
+                                      <a:latin typeface="Cambria Math" panose="02040503050406030204" pitchFamily="18" charset="0"/>
+                                    </a:rPr>
+                                    <m:t>𝑛𝑒𝑔𝑎𝑡𝑖𝑣𝑒</m:t>
+                                  </m:r>
+                                </m:e>
+                              </m:d>
+                            </m:num>
+                            <m:den>
+                              <m:r>
+                                <a:rPr lang="en-US" sz="2000" i="1">
+                                  <a:solidFill>
+                                    <a:schemeClr val="bg1">
+                                      <a:lumMod val="75000"/>
+                                      <a:lumOff val="25000"/>
+                                    </a:schemeClr>
+                                  </a:solidFill>
+                                  <a:latin typeface="Cambria Math" panose="02040503050406030204" pitchFamily="18" charset="0"/>
+                                </a:rPr>
+                                <m:t>h𝑖𝑡𝑠</m:t>
+                              </m:r>
+                              <m:d>
+                                <m:dPr>
+                                  <m:ctrlPr>
+                                    <a:rPr lang="en-US" sz="2000" i="1">
+                                      <a:solidFill>
+                                        <a:schemeClr val="bg1">
+                                          <a:lumMod val="75000"/>
+                                          <a:lumOff val="25000"/>
+                                        </a:schemeClr>
+                                      </a:solidFill>
+                                      <a:latin typeface="Cambria Math" panose="02040503050406030204" pitchFamily="18" charset="0"/>
+                                    </a:rPr>
+                                  </m:ctrlPr>
+                                </m:dPr>
+                                <m:e>
+                                  <m:r>
+                                    <a:rPr lang="en-US" sz="2000" i="1">
+                                      <a:solidFill>
+                                        <a:schemeClr val="bg1">
+                                          <a:lumMod val="75000"/>
+                                          <a:lumOff val="25000"/>
+                                        </a:schemeClr>
+                                      </a:solidFill>
+                                      <a:latin typeface="Cambria Math" panose="02040503050406030204" pitchFamily="18" charset="0"/>
+                                    </a:rPr>
+                                    <m:t>𝑝h𝑟𝑎𝑠𝑒</m:t>
+                                  </m:r>
+                                  <m:r>
+                                    <a:rPr lang="en-US" sz="2000" i="0">
+                                      <a:solidFill>
+                                        <a:schemeClr val="bg1">
+                                          <a:lumMod val="75000"/>
+                                          <a:lumOff val="25000"/>
+                                        </a:schemeClr>
+                                      </a:solidFill>
+                                      <a:latin typeface="Cambria Math" panose="02040503050406030204" pitchFamily="18" charset="0"/>
+                                    </a:rPr>
+                                    <m:t> </m:t>
+                                  </m:r>
+                                  <m:r>
+                                    <a:rPr lang="en-US" sz="2000" i="1">
+                                      <a:solidFill>
+                                        <a:schemeClr val="bg1">
+                                          <a:lumMod val="75000"/>
+                                          <a:lumOff val="25000"/>
+                                        </a:schemeClr>
+                                      </a:solidFill>
+                                      <a:latin typeface="Cambria Math" panose="02040503050406030204" pitchFamily="18" charset="0"/>
+                                    </a:rPr>
+                                    <m:t>𝐼𝑁</m:t>
+                                  </m:r>
+                                  <m:r>
+                                    <a:rPr lang="en-US" sz="2000" i="0">
+                                      <a:solidFill>
+                                        <a:schemeClr val="bg1">
+                                          <a:lumMod val="75000"/>
+                                          <a:lumOff val="25000"/>
+                                        </a:schemeClr>
+                                      </a:solidFill>
+                                      <a:latin typeface="Cambria Math" panose="02040503050406030204" pitchFamily="18" charset="0"/>
+                                    </a:rPr>
+                                    <m:t> </m:t>
+                                  </m:r>
+                                  <m:r>
+                                    <a:rPr lang="en-US" sz="2000" i="1">
+                                      <a:solidFill>
+                                        <a:schemeClr val="bg1">
+                                          <a:lumMod val="75000"/>
+                                          <a:lumOff val="25000"/>
+                                        </a:schemeClr>
+                                      </a:solidFill>
+                                      <a:latin typeface="Cambria Math" panose="02040503050406030204" pitchFamily="18" charset="0"/>
+                                    </a:rPr>
+                                    <m:t>𝑛𝑒𝑔𝑎𝑡𝑖𝑣𝑒</m:t>
+                                  </m:r>
+                                </m:e>
+                              </m:d>
+                              <m:r>
+                                <a:rPr lang="en-US" sz="2000" i="0">
+                                  <a:solidFill>
+                                    <a:schemeClr val="bg1">
+                                      <a:lumMod val="75000"/>
+                                      <a:lumOff val="25000"/>
+                                    </a:schemeClr>
+                                  </a:solidFill>
+                                  <a:latin typeface="Cambria Math" panose="02040503050406030204" pitchFamily="18" charset="0"/>
+                                </a:rPr>
+                                <m:t>∗</m:t>
+                              </m:r>
+                              <m:r>
+                                <a:rPr lang="en-US" sz="2000" i="1">
+                                  <a:solidFill>
+                                    <a:schemeClr val="bg1">
+                                      <a:lumMod val="75000"/>
+                                      <a:lumOff val="25000"/>
+                                    </a:schemeClr>
+                                  </a:solidFill>
+                                  <a:latin typeface="Cambria Math" panose="02040503050406030204" pitchFamily="18" charset="0"/>
+                                </a:rPr>
+                                <m:t>𝑐𝑜𝑢𝑛𝑡</m:t>
+                              </m:r>
+                              <m:d>
+                                <m:dPr>
+                                  <m:ctrlPr>
+                                    <a:rPr lang="en-US" sz="2000" i="1">
+                                      <a:solidFill>
+                                        <a:schemeClr val="bg1">
+                                          <a:lumMod val="75000"/>
+                                          <a:lumOff val="25000"/>
+                                        </a:schemeClr>
+                                      </a:solidFill>
+                                      <a:latin typeface="Cambria Math" panose="02040503050406030204" pitchFamily="18" charset="0"/>
+                                    </a:rPr>
+                                  </m:ctrlPr>
+                                </m:dPr>
+                                <m:e>
+                                  <m:r>
+                                    <a:rPr lang="en-US" sz="2000" i="1">
+                                      <a:solidFill>
+                                        <a:schemeClr val="bg1">
+                                          <a:lumMod val="75000"/>
+                                          <a:lumOff val="25000"/>
+                                        </a:schemeClr>
+                                      </a:solidFill>
+                                      <a:latin typeface="Cambria Math" panose="02040503050406030204" pitchFamily="18" charset="0"/>
+                                    </a:rPr>
+                                    <m:t>𝑝𝑜𝑠𝑖𝑡𝑖𝑣𝑒</m:t>
+                                  </m:r>
+                                </m:e>
+                              </m:d>
+                            </m:den>
+                          </m:f>
+                        </m:e>
+                      </m:d>
+                    </m:oMath>
+                  </m:oMathPara>
+                </a14:m>
+                <a:endParaRPr lang="en-US" sz="2000" dirty="0">
+                  <a:solidFill>
+                    <a:schemeClr val="bg1">
+                      <a:lumMod val="75000"/>
+                      <a:lumOff val="25000"/>
+                    </a:schemeClr>
+                  </a:solidFill>
+                </a:endParaRPr>
+              </a:p>
+            </p:txBody>
+          </p:sp>
+        </mc:Choice>
+        <mc:Fallback>
+          <p:sp>
+            <p:nvSpPr>
+              <p:cNvPr id="5" name="Rectangle 4"/>
+              <p:cNvSpPr>
+                <a:spLocks noRot="1" noChangeAspect="1" noMove="1" noResize="1" noEditPoints="1" noAdjustHandles="1" noChangeArrowheads="1" noChangeShapeType="1" noTextEdit="1"/>
+              </p:cNvSpPr>
+              <p:nvPr/>
+            </p:nvSpPr>
+            <p:spPr>
+              <a:xfrm>
+                <a:off x="5967046" y="2153818"/>
+                <a:ext cx="6096000" cy="1399422"/>
+              </a:xfrm>
+              <a:prstGeom prst="rect">
+                <a:avLst/>
+              </a:prstGeom>
+              <a:blipFill>
+                <a:blip r:embed="rId3"/>
+                <a:stretch>
+                  <a:fillRect/>
+                </a:stretch>
+              </a:blipFill>
+            </p:spPr>
+            <p:txBody>
+              <a:bodyPr/>
+              <a:lstStyle/>
+              <a:p>
+                <a:r>
+                  <a:rPr lang="en-US">
+                    <a:noFill/>
+                  </a:rPr>
+                  <a:t> </a:t>
+                </a:r>
+              </a:p>
+            </p:txBody>
+          </p:sp>
+        </mc:Fallback>
+      </mc:AlternateContent>
+    </p:spTree>
+    <p:extLst>
+      <p:ext uri="{BB962C8B-B14F-4D97-AF65-F5344CB8AC3E}">
+        <p14:creationId xmlns:p14="http://schemas.microsoft.com/office/powerpoint/2010/main" val="3617408367"/>
+      </p:ext>
+    </p:extLst>
+  </p:cSld>
+  <p:clrMapOvr>
+    <a:masterClrMapping/>
+  </p:clrMapOvr>
+</p:sld>
+</file>
+
+<file path=ppt/slides/slide11.xml><?xml version="1.0" encoding="utf-8"?>
+<p:sld xmlns:a="http://schemas.openxmlformats.org/drawingml/2006/main" xmlns:r="http://schemas.openxmlformats.org/officeDocument/2006/relationships" xmlns:p="http://schemas.openxmlformats.org/presentationml/2006/main">
+  <p:cSld>
     <p:spTree>
       <p:nvGrpSpPr>
         <p:cNvPr id="1" name=""/>
@@ -12583,32 +13237,6 @@
             </a:r>
           </a:p>
           <a:p>
-            <a:r>
-              <a:rPr lang="en-US" dirty="0">
-                <a:latin typeface="Lucida Fax" panose="02060602050505020204" pitchFamily="18" charset="0"/>
-              </a:rPr>
-              <a:t>Why Steam Reviews?</a:t>
-            </a:r>
-          </a:p>
-          <a:p>
-            <a:pPr lvl="1"/>
-            <a:r>
-              <a:rPr lang="en-US" dirty="0">
-                <a:latin typeface="Lucida Fax" panose="02060602050505020204" pitchFamily="18" charset="0"/>
-              </a:rPr>
-              <a:t>Large user base</a:t>
-            </a:r>
-          </a:p>
-          <a:p>
-            <a:pPr lvl="1"/>
-            <a:r>
-              <a:rPr lang="en-US" dirty="0">
-                <a:latin typeface="Lucida Fax" panose="02060602050505020204" pitchFamily="18" charset="0"/>
-              </a:rPr>
-              <a:t>Diverse lexicons</a:t>
-            </a:r>
-          </a:p>
-          <a:p>
             <a:pPr marL="457200" lvl="1" indent="0">
               <a:buNone/>
             </a:pPr>
@@ -12673,7 +13301,7 @@
               <a:rPr lang="en-US" dirty="0">
                 <a:latin typeface="Lucida Fax" panose="02060602050505020204" pitchFamily="18" charset="0"/>
               </a:rPr>
-              <a:t>Our goal</a:t>
+              <a:t>Introduction</a:t>
             </a:r>
           </a:p>
         </p:txBody>
@@ -12690,14 +13318,16 @@
         </p:nvSpPr>
         <p:spPr/>
         <p:txBody>
-          <a:bodyPr/>
+          <a:bodyPr>
+            <a:normAutofit/>
+          </a:bodyPr>
           <a:lstStyle/>
           <a:p>
             <a:r>
               <a:rPr lang="en-US" dirty="0">
                 <a:latin typeface="Lucida Fax" panose="02060602050505020204" pitchFamily="18" charset="0"/>
               </a:rPr>
-              <a:t>Analyze a review</a:t>
+              <a:t>Why Steam Reviews?</a:t>
             </a:r>
           </a:p>
           <a:p>
@@ -12706,7 +13336,7 @@
               <a:rPr lang="en-US" dirty="0">
                 <a:latin typeface="Lucida Fax" panose="02060602050505020204" pitchFamily="18" charset="0"/>
               </a:rPr>
-              <a:t>Extract phrases that express sentiments</a:t>
+              <a:t>Large user base</a:t>
             </a:r>
           </a:p>
           <a:p>
@@ -12715,52 +13345,29 @@
               <a:rPr lang="en-US" dirty="0">
                 <a:latin typeface="Lucida Fax" panose="02060602050505020204" pitchFamily="18" charset="0"/>
               </a:rPr>
-              <a:t>Determine the polarity of those phrases</a:t>
+              <a:t>Diverse lexicons</a:t>
             </a:r>
           </a:p>
           <a:p>
-            <a:pPr lvl="1"/>
-            <a:r>
-              <a:rPr lang="en-US" dirty="0">
-                <a:latin typeface="Lucida Fax" panose="02060602050505020204" pitchFamily="18" charset="0"/>
-              </a:rPr>
-              <a:t>Correctly predict the sentiment of a review</a:t>
-            </a:r>
-          </a:p>
-          <a:p>
+            <a:pPr marL="457200" lvl="1" indent="0">
+              <a:buNone/>
+            </a:pPr>
             <a:endParaRPr lang="en-US" dirty="0">
               <a:latin typeface="Lucida Fax" panose="02060602050505020204" pitchFamily="18" charset="0"/>
             </a:endParaRPr>
           </a:p>
+          <a:p>
+            <a:pPr lvl="1"/>
+            <a:endParaRPr lang="en-US" dirty="0">
+              <a:latin typeface="Lucida Fax" panose="02060602050505020204" pitchFamily="18" charset="0"/>
+            </a:endParaRPr>
+          </a:p>
         </p:txBody>
       </p:sp>
-      <p:pic>
-        <p:nvPicPr>
-          <p:cNvPr id="4" name="Picture 3"/>
-          <p:cNvPicPr>
-            <a:picLocks noChangeAspect="1"/>
-          </p:cNvPicPr>
-          <p:nvPr/>
-        </p:nvPicPr>
-        <p:blipFill rotWithShape="1">
-          <a:blip r:embed="rId2"/>
-          <a:srcRect r="1826" b="10869"/>
-          <a:stretch/>
-        </p:blipFill>
-        <p:spPr>
-          <a:xfrm>
-            <a:off x="7564964" y="2814070"/>
-            <a:ext cx="4338158" cy="3789930"/>
-          </a:xfrm>
-          <a:prstGeom prst="rect">
-            <a:avLst/>
-          </a:prstGeom>
-        </p:spPr>
-      </p:pic>
     </p:spTree>
     <p:extLst>
       <p:ext uri="{BB962C8B-B14F-4D97-AF65-F5344CB8AC3E}">
-        <p14:creationId xmlns:p14="http://schemas.microsoft.com/office/powerpoint/2010/main" val="1183636976"/>
+        <p14:creationId xmlns:p14="http://schemas.microsoft.com/office/powerpoint/2010/main" val="2894083093"/>
       </p:ext>
     </p:extLst>
   </p:cSld>
@@ -12806,7 +13413,142 @@
               <a:rPr lang="en-US" dirty="0">
                 <a:latin typeface="Lucida Fax" panose="02060602050505020204" pitchFamily="18" charset="0"/>
               </a:rPr>
-              <a:t>How we do it</a:t>
+              <a:t>Introduction</a:t>
+            </a:r>
+          </a:p>
+        </p:txBody>
+      </p:sp>
+      <p:sp>
+        <p:nvSpPr>
+          <p:cNvPr id="3" name="Content Placeholder 2"/>
+          <p:cNvSpPr>
+            <a:spLocks noGrp="1"/>
+          </p:cNvSpPr>
+          <p:nvPr>
+            <p:ph idx="1"/>
+          </p:nvPr>
+        </p:nvSpPr>
+        <p:spPr/>
+        <p:txBody>
+          <a:bodyPr>
+            <a:normAutofit/>
+          </a:bodyPr>
+          <a:lstStyle/>
+          <a:p>
+            <a:r>
+              <a:rPr lang="en-US" dirty="0">
+                <a:latin typeface="Lucida Fax" panose="02060602050505020204" pitchFamily="18" charset="0"/>
+              </a:rPr>
+              <a:t>Why Steam Reviews?</a:t>
+            </a:r>
+          </a:p>
+          <a:p>
+            <a:pPr lvl="1"/>
+            <a:r>
+              <a:rPr lang="en-US" dirty="0">
+                <a:latin typeface="Lucida Fax" panose="02060602050505020204" pitchFamily="18" charset="0"/>
+              </a:rPr>
+              <a:t>Large user base</a:t>
+            </a:r>
+          </a:p>
+          <a:p>
+            <a:pPr lvl="1"/>
+            <a:r>
+              <a:rPr lang="en-US" dirty="0">
+                <a:latin typeface="Lucida Fax" panose="02060602050505020204" pitchFamily="18" charset="0"/>
+              </a:rPr>
+              <a:t>Diverse lexicons</a:t>
+            </a:r>
+          </a:p>
+          <a:p>
+            <a:pPr marL="457200" lvl="1" indent="0">
+              <a:buNone/>
+            </a:pPr>
+            <a:endParaRPr lang="en-US" dirty="0">
+              <a:latin typeface="Lucida Fax" panose="02060602050505020204" pitchFamily="18" charset="0"/>
+            </a:endParaRPr>
+          </a:p>
+          <a:p>
+            <a:pPr lvl="1"/>
+            <a:endParaRPr lang="en-US" dirty="0">
+              <a:latin typeface="Lucida Fax" panose="02060602050505020204" pitchFamily="18" charset="0"/>
+            </a:endParaRPr>
+          </a:p>
+        </p:txBody>
+      </p:sp>
+      <p:pic>
+        <p:nvPicPr>
+          <p:cNvPr id="4" name="Picture 3"/>
+          <p:cNvPicPr>
+            <a:picLocks noChangeAspect="1"/>
+          </p:cNvPicPr>
+          <p:nvPr/>
+        </p:nvPicPr>
+        <p:blipFill rotWithShape="1">
+          <a:blip r:embed="rId2"/>
+          <a:srcRect l="17989" t="11445" r="47193" b="4246"/>
+          <a:stretch/>
+        </p:blipFill>
+        <p:spPr>
+          <a:xfrm>
+            <a:off x="6471138" y="1002323"/>
+            <a:ext cx="3780692" cy="4633546"/>
+          </a:xfrm>
+          <a:prstGeom prst="rect">
+            <a:avLst/>
+          </a:prstGeom>
+        </p:spPr>
+      </p:pic>
+    </p:spTree>
+    <p:extLst>
+      <p:ext uri="{BB962C8B-B14F-4D97-AF65-F5344CB8AC3E}">
+        <p14:creationId xmlns:p14="http://schemas.microsoft.com/office/powerpoint/2010/main" val="2916523033"/>
+      </p:ext>
+    </p:extLst>
+  </p:cSld>
+  <p:clrMapOvr>
+    <a:masterClrMapping/>
+  </p:clrMapOvr>
+</p:sld>
+</file>
+
+<file path=ppt/slides/slide5.xml><?xml version="1.0" encoding="utf-8"?>
+<p:sld xmlns:a="http://schemas.openxmlformats.org/drawingml/2006/main" xmlns:r="http://schemas.openxmlformats.org/officeDocument/2006/relationships" xmlns:p="http://schemas.openxmlformats.org/presentationml/2006/main">
+  <p:cSld>
+    <p:spTree>
+      <p:nvGrpSpPr>
+        <p:cNvPr id="1" name=""/>
+        <p:cNvGrpSpPr/>
+        <p:nvPr/>
+      </p:nvGrpSpPr>
+      <p:grpSpPr>
+        <a:xfrm>
+          <a:off x="0" y="0"/>
+          <a:ext cx="0" cy="0"/>
+          <a:chOff x="0" y="0"/>
+          <a:chExt cx="0" cy="0"/>
+        </a:xfrm>
+      </p:grpSpPr>
+      <p:sp>
+        <p:nvSpPr>
+          <p:cNvPr id="2" name="Title 1"/>
+          <p:cNvSpPr>
+            <a:spLocks noGrp="1"/>
+          </p:cNvSpPr>
+          <p:nvPr>
+            <p:ph type="title"/>
+          </p:nvPr>
+        </p:nvSpPr>
+        <p:spPr/>
+        <p:txBody>
+          <a:bodyPr/>
+          <a:lstStyle/>
+          <a:p>
+            <a:r>
+              <a:rPr lang="en-US" dirty="0">
+                <a:latin typeface="Lucida Fax" panose="02060602050505020204" pitchFamily="18" charset="0"/>
+              </a:rPr>
+              <a:t>Our goal</a:t>
             </a:r>
           </a:p>
         </p:txBody>
@@ -12830,7 +13572,7 @@
               <a:rPr lang="en-US" dirty="0">
                 <a:latin typeface="Lucida Fax" panose="02060602050505020204" pitchFamily="18" charset="0"/>
               </a:rPr>
-              <a:t>Training</a:t>
+              <a:t>Analyze a review</a:t>
             </a:r>
           </a:p>
           <a:p>
@@ -12839,7 +13581,7 @@
               <a:rPr lang="en-US" dirty="0">
                 <a:latin typeface="Lucida Fax" panose="02060602050505020204" pitchFamily="18" charset="0"/>
               </a:rPr>
-              <a:t>Scrape Steam’s website</a:t>
+              <a:t>Extract segments that express sentiments</a:t>
             </a:r>
           </a:p>
           <a:p>
@@ -12848,7 +13590,7 @@
               <a:rPr lang="en-US" dirty="0">
                 <a:latin typeface="Lucida Fax" panose="02060602050505020204" pitchFamily="18" charset="0"/>
               </a:rPr>
-              <a:t>Parse scraped data</a:t>
+              <a:t>Determine the attitude of those segments</a:t>
             </a:r>
           </a:p>
           <a:p>
@@ -12857,25 +13599,7 @@
               <a:rPr lang="en-US" dirty="0">
                 <a:latin typeface="Lucida Fax" panose="02060602050505020204" pitchFamily="18" charset="0"/>
               </a:rPr>
-              <a:t>Tag the review bodies with a POS tagger</a:t>
-            </a:r>
-          </a:p>
-          <a:p>
-            <a:pPr lvl="1"/>
-            <a:r>
-              <a:rPr lang="en-US" dirty="0">
-                <a:latin typeface="Lucida Fax" panose="02060602050505020204" pitchFamily="18" charset="0"/>
-              </a:rPr>
-              <a:t>Extract phrasal lexicons</a:t>
-            </a:r>
-          </a:p>
-          <a:p>
-            <a:pPr lvl="1"/>
-            <a:r>
-              <a:rPr lang="en-US" dirty="0">
-                <a:latin typeface="Lucida Fax" panose="02060602050505020204" pitchFamily="18" charset="0"/>
-              </a:rPr>
-              <a:t>Save the phrases to the database</a:t>
+              <a:t>Correctly predict the sentiment of a review</a:t>
             </a:r>
           </a:p>
           <a:p>
@@ -12883,67 +13607,8 @@
               <a:latin typeface="Lucida Fax" panose="02060602050505020204" pitchFamily="18" charset="0"/>
             </a:endParaRPr>
           </a:p>
-          <a:p>
-            <a:endParaRPr lang="en-US" dirty="0">
-              <a:latin typeface="Lucida Fax" panose="02060602050505020204" pitchFamily="18" charset="0"/>
-            </a:endParaRPr>
-          </a:p>
-          <a:p>
-            <a:endParaRPr lang="en-US" dirty="0">
-              <a:latin typeface="Lucida Fax" panose="02060602050505020204" pitchFamily="18" charset="0"/>
-            </a:endParaRPr>
-          </a:p>
-          <a:p>
-            <a:pPr lvl="1"/>
-            <a:endParaRPr lang="en-US" dirty="0">
-              <a:latin typeface="Lucida Fax" panose="02060602050505020204" pitchFamily="18" charset="0"/>
-            </a:endParaRPr>
-          </a:p>
-          <a:p>
-            <a:endParaRPr lang="en-US" dirty="0">
-              <a:latin typeface="Lucida Fax" panose="02060602050505020204" pitchFamily="18" charset="0"/>
-            </a:endParaRPr>
-          </a:p>
         </p:txBody>
       </p:sp>
-    </p:spTree>
-    <p:extLst>
-      <p:ext uri="{BB962C8B-B14F-4D97-AF65-F5344CB8AC3E}">
-        <p14:creationId xmlns:p14="http://schemas.microsoft.com/office/powerpoint/2010/main" val="1233930981"/>
-      </p:ext>
-    </p:extLst>
-  </p:cSld>
-  <p:clrMapOvr>
-    <a:masterClrMapping/>
-  </p:clrMapOvr>
-</p:sld>
-</file>
-
-<file path=ppt/slides/slide5.xml><?xml version="1.0" encoding="utf-8"?>
-<p:sld xmlns:a="http://schemas.openxmlformats.org/drawingml/2006/main" xmlns:r="http://schemas.openxmlformats.org/officeDocument/2006/relationships" xmlns:p="http://schemas.openxmlformats.org/presentationml/2006/main">
-  <p:cSld>
-    <p:bg>
-      <p:bgPr>
-        <a:solidFill>
-          <a:schemeClr val="tx1"/>
-        </a:solidFill>
-        <a:effectLst/>
-      </p:bgPr>
-    </p:bg>
-    <p:spTree>
-      <p:nvGrpSpPr>
-        <p:cNvPr id="1" name=""/>
-        <p:cNvGrpSpPr/>
-        <p:nvPr/>
-      </p:nvGrpSpPr>
-      <p:grpSpPr>
-        <a:xfrm>
-          <a:off x="0" y="0"/>
-          <a:ext cx="0" cy="0"/>
-          <a:chOff x="0" y="0"/>
-          <a:chExt cx="0" cy="0"/>
-        </a:xfrm>
-      </p:grpSpPr>
       <p:pic>
         <p:nvPicPr>
           <p:cNvPr id="5" name="Picture 4"/>
@@ -12952,16 +13617,15 @@
           </p:cNvPicPr>
           <p:nvPr/>
         </p:nvPicPr>
-        <p:blipFill>
+        <p:blipFill rotWithShape="1">
           <a:blip r:embed="rId2"/>
-          <a:stretch>
-            <a:fillRect/>
-          </a:stretch>
+          <a:srcRect r="1826" b="10869"/>
+          <a:stretch/>
         </p:blipFill>
         <p:spPr>
           <a:xfrm>
-            <a:off x="2813460" y="102016"/>
-            <a:ext cx="6565079" cy="6653968"/>
+            <a:off x="7565793" y="1538654"/>
+            <a:ext cx="4409330" cy="3852108"/>
           </a:xfrm>
           <a:prstGeom prst="rect">
             <a:avLst/>
@@ -12971,7 +13635,7 @@
     </p:spTree>
     <p:extLst>
       <p:ext uri="{BB962C8B-B14F-4D97-AF65-F5344CB8AC3E}">
-        <p14:creationId xmlns:p14="http://schemas.microsoft.com/office/powerpoint/2010/main" val="2829533590"/>
+        <p14:creationId xmlns:p14="http://schemas.microsoft.com/office/powerpoint/2010/main" val="1183636976"/>
       </p:ext>
     </p:extLst>
   </p:cSld>
@@ -13041,58 +13705,24 @@
               <a:rPr lang="en-US" dirty="0">
                 <a:latin typeface="Lucida Fax" panose="02060602050505020204" pitchFamily="18" charset="0"/>
               </a:rPr>
-              <a:t>Testing</a:t>
+              <a:t>Train</a:t>
             </a:r>
           </a:p>
           <a:p>
-            <a:pPr lvl="1"/>
             <a:r>
               <a:rPr lang="en-US" dirty="0">
                 <a:latin typeface="Lucida Fax" panose="02060602050505020204" pitchFamily="18" charset="0"/>
               </a:rPr>
-              <a:t>Choose game to test on</a:t>
+              <a:t>Test</a:t>
             </a:r>
           </a:p>
           <a:p>
-            <a:pPr lvl="1"/>
             <a:r>
               <a:rPr lang="en-US" dirty="0">
                 <a:latin typeface="Lucida Fax" panose="02060602050505020204" pitchFamily="18" charset="0"/>
               </a:rPr>
-              <a:t>Use training data from every other game</a:t>
+              <a:t>Evaluate</a:t>
             </a:r>
-          </a:p>
-          <a:p>
-            <a:pPr lvl="1"/>
-            <a:r>
-              <a:rPr lang="en-US" dirty="0">
-                <a:latin typeface="Lucida Fax" panose="02060602050505020204" pitchFamily="18" charset="0"/>
-              </a:rPr>
-              <a:t>Use the counts of relevant phrases to compute polarity</a:t>
-            </a:r>
-          </a:p>
-          <a:p>
-            <a:pPr lvl="1"/>
-            <a:r>
-              <a:rPr lang="en-US" dirty="0">
-                <a:latin typeface="Lucida Fax" panose="02060602050505020204" pitchFamily="18" charset="0"/>
-              </a:rPr>
-              <a:t>Compute average polarity of a review</a:t>
-            </a:r>
-          </a:p>
-          <a:p>
-            <a:pPr lvl="1"/>
-            <a:r>
-              <a:rPr lang="en-US" dirty="0">
-                <a:latin typeface="Lucida Fax" panose="02060602050505020204" pitchFamily="18" charset="0"/>
-              </a:rPr>
-              <a:t>Predict if review is a recommendation</a:t>
-            </a:r>
-          </a:p>
-          <a:p>
-            <a:endParaRPr lang="en-US" dirty="0">
-              <a:latin typeface="Lucida Fax" panose="02060602050505020204" pitchFamily="18" charset="0"/>
-            </a:endParaRPr>
           </a:p>
           <a:p>
             <a:endParaRPr lang="en-US" dirty="0">
@@ -13120,7 +13750,7 @@
     </p:spTree>
     <p:extLst>
       <p:ext uri="{BB962C8B-B14F-4D97-AF65-F5344CB8AC3E}">
-        <p14:creationId xmlns:p14="http://schemas.microsoft.com/office/powerpoint/2010/main" val="4289959474"/>
+        <p14:creationId xmlns:p14="http://schemas.microsoft.com/office/powerpoint/2010/main" val="2522207596"/>
       </p:ext>
     </p:extLst>
   </p:cSld>
@@ -13131,214 +13761,6 @@
 </file>
 
 <file path=ppt/slides/slide7.xml><?xml version="1.0" encoding="utf-8"?>
-<p:sld xmlns:a="http://schemas.openxmlformats.org/drawingml/2006/main" xmlns:r="http://schemas.openxmlformats.org/officeDocument/2006/relationships" xmlns:p="http://schemas.openxmlformats.org/presentationml/2006/main">
-  <p:cSld>
-    <p:bg>
-      <p:bgPr>
-        <a:solidFill>
-          <a:schemeClr val="tx1"/>
-        </a:solidFill>
-        <a:effectLst/>
-      </p:bgPr>
-    </p:bg>
-    <p:spTree>
-      <p:nvGrpSpPr>
-        <p:cNvPr id="1" name=""/>
-        <p:cNvGrpSpPr/>
-        <p:nvPr/>
-      </p:nvGrpSpPr>
-      <p:grpSpPr>
-        <a:xfrm>
-          <a:off x="0" y="0"/>
-          <a:ext cx="0" cy="0"/>
-          <a:chOff x="0" y="0"/>
-          <a:chExt cx="0" cy="0"/>
-        </a:xfrm>
-      </p:grpSpPr>
-      <p:pic>
-        <p:nvPicPr>
-          <p:cNvPr id="2" name="Picture 1"/>
-          <p:cNvPicPr>
-            <a:picLocks noChangeAspect="1"/>
-          </p:cNvPicPr>
-          <p:nvPr/>
-        </p:nvPicPr>
-        <p:blipFill>
-          <a:blip r:embed="rId2"/>
-          <a:stretch>
-            <a:fillRect/>
-          </a:stretch>
-        </p:blipFill>
-        <p:spPr>
-          <a:xfrm>
-            <a:off x="2833448" y="184555"/>
-            <a:ext cx="7047619" cy="6488889"/>
-          </a:xfrm>
-          <a:prstGeom prst="rect">
-            <a:avLst/>
-          </a:prstGeom>
-        </p:spPr>
-      </p:pic>
-    </p:spTree>
-    <p:extLst>
-      <p:ext uri="{BB962C8B-B14F-4D97-AF65-F5344CB8AC3E}">
-        <p14:creationId xmlns:p14="http://schemas.microsoft.com/office/powerpoint/2010/main" val="2172288342"/>
-      </p:ext>
-    </p:extLst>
-  </p:cSld>
-  <p:clrMapOvr>
-    <a:masterClrMapping/>
-  </p:clrMapOvr>
-</p:sld>
-</file>
-
-<file path=ppt/slides/slide8.xml><?xml version="1.0" encoding="utf-8"?>
-<p:sld xmlns:a="http://schemas.openxmlformats.org/drawingml/2006/main" xmlns:r="http://schemas.openxmlformats.org/officeDocument/2006/relationships" xmlns:p="http://schemas.openxmlformats.org/presentationml/2006/main">
-  <p:cSld>
-    <p:spTree>
-      <p:nvGrpSpPr>
-        <p:cNvPr id="1" name=""/>
-        <p:cNvGrpSpPr/>
-        <p:nvPr/>
-      </p:nvGrpSpPr>
-      <p:grpSpPr>
-        <a:xfrm>
-          <a:off x="0" y="0"/>
-          <a:ext cx="0" cy="0"/>
-          <a:chOff x="0" y="0"/>
-          <a:chExt cx="0" cy="0"/>
-        </a:xfrm>
-      </p:grpSpPr>
-      <p:sp>
-        <p:nvSpPr>
-          <p:cNvPr id="2" name="Title 1"/>
-          <p:cNvSpPr>
-            <a:spLocks noGrp="1"/>
-          </p:cNvSpPr>
-          <p:nvPr>
-            <p:ph type="title"/>
-          </p:nvPr>
-        </p:nvSpPr>
-        <p:spPr/>
-        <p:txBody>
-          <a:bodyPr/>
-          <a:lstStyle/>
-          <a:p>
-            <a:r>
-              <a:rPr lang="en-US" dirty="0">
-                <a:latin typeface="Lucida Fax" panose="02060602050505020204" pitchFamily="18" charset="0"/>
-              </a:rPr>
-              <a:t>implementation</a:t>
-            </a:r>
-          </a:p>
-        </p:txBody>
-      </p:sp>
-      <p:sp>
-        <p:nvSpPr>
-          <p:cNvPr id="3" name="Content Placeholder 2"/>
-          <p:cNvSpPr>
-            <a:spLocks noGrp="1"/>
-          </p:cNvSpPr>
-          <p:nvPr>
-            <p:ph idx="1"/>
-          </p:nvPr>
-        </p:nvSpPr>
-        <p:spPr/>
-        <p:txBody>
-          <a:bodyPr/>
-          <a:lstStyle/>
-          <a:p>
-            <a:r>
-              <a:rPr lang="en-US" dirty="0">
-                <a:latin typeface="Lucida Fax" panose="02060602050505020204" pitchFamily="18" charset="0"/>
-              </a:rPr>
-              <a:t>Web Application</a:t>
-            </a:r>
-          </a:p>
-          <a:p>
-            <a:pPr lvl="1"/>
-            <a:r>
-              <a:rPr lang="en-US" dirty="0">
-                <a:latin typeface="Lucida Fax" panose="02060602050505020204" pitchFamily="18" charset="0"/>
-              </a:rPr>
-              <a:t>Asynchronous</a:t>
-            </a:r>
-          </a:p>
-          <a:p>
-            <a:pPr lvl="1"/>
-            <a:r>
-              <a:rPr lang="en-US" dirty="0">
-                <a:latin typeface="Lucida Fax" panose="02060602050505020204" pitchFamily="18" charset="0"/>
-              </a:rPr>
-              <a:t>Decoupled</a:t>
-            </a:r>
-          </a:p>
-          <a:p>
-            <a:pPr lvl="1"/>
-            <a:r>
-              <a:rPr lang="en-US" dirty="0">
-                <a:latin typeface="Lucida Fax" panose="02060602050505020204" pitchFamily="18" charset="0"/>
-              </a:rPr>
-              <a:t>Performant</a:t>
-            </a:r>
-          </a:p>
-          <a:p>
-            <a:pPr lvl="1"/>
-            <a:r>
-              <a:rPr lang="en-US" dirty="0">
-                <a:latin typeface="Lucida Fax" panose="02060602050505020204" pitchFamily="18" charset="0"/>
-              </a:rPr>
-              <a:t>Scalable</a:t>
-            </a:r>
-          </a:p>
-          <a:p>
-            <a:pPr lvl="1"/>
-            <a:endParaRPr lang="en-US" dirty="0">
-              <a:latin typeface="Lucida Fax" panose="02060602050505020204" pitchFamily="18" charset="0"/>
-            </a:endParaRPr>
-          </a:p>
-          <a:p>
-            <a:endParaRPr lang="en-US" dirty="0">
-              <a:latin typeface="Lucida Fax" panose="02060602050505020204" pitchFamily="18" charset="0"/>
-            </a:endParaRPr>
-          </a:p>
-          <a:p>
-            <a:endParaRPr lang="en-US" dirty="0">
-              <a:latin typeface="Lucida Fax" panose="02060602050505020204" pitchFamily="18" charset="0"/>
-            </a:endParaRPr>
-          </a:p>
-          <a:p>
-            <a:endParaRPr lang="en-US" dirty="0">
-              <a:latin typeface="Lucida Fax" panose="02060602050505020204" pitchFamily="18" charset="0"/>
-            </a:endParaRPr>
-          </a:p>
-          <a:p>
-            <a:pPr lvl="1"/>
-            <a:endParaRPr lang="en-US" dirty="0">
-              <a:latin typeface="Lucida Fax" panose="02060602050505020204" pitchFamily="18" charset="0"/>
-            </a:endParaRPr>
-          </a:p>
-          <a:p>
-            <a:endParaRPr lang="en-US" dirty="0">
-              <a:latin typeface="Lucida Fax" panose="02060602050505020204" pitchFamily="18" charset="0"/>
-            </a:endParaRPr>
-          </a:p>
-        </p:txBody>
-      </p:sp>
-    </p:spTree>
-    <p:extLst>
-      <p:ext uri="{BB962C8B-B14F-4D97-AF65-F5344CB8AC3E}">
-        <p14:creationId xmlns:p14="http://schemas.microsoft.com/office/powerpoint/2010/main" val="1119515740"/>
-      </p:ext>
-    </p:extLst>
-  </p:cSld>
-  <p:clrMapOvr>
-    <a:masterClrMapping/>
-  </p:clrMapOvr>
-</p:sld>
-</file>
-
-<file path=ppt/slides/slide9.xml><?xml version="1.0" encoding="utf-8"?>
 <p:sld xmlns:a="http://schemas.openxmlformats.org/drawingml/2006/main" xmlns:r="http://schemas.openxmlformats.org/officeDocument/2006/relationships" xmlns:p="http://schemas.openxmlformats.org/presentationml/2006/main">
   <p:cSld>
     <p:bg>
@@ -13391,6 +13813,218 @@
     <p:extLst>
       <p:ext uri="{BB962C8B-B14F-4D97-AF65-F5344CB8AC3E}">
         <p14:creationId xmlns:p14="http://schemas.microsoft.com/office/powerpoint/2010/main" val="2765627732"/>
+      </p:ext>
+    </p:extLst>
+  </p:cSld>
+  <p:clrMapOvr>
+    <a:masterClrMapping/>
+  </p:clrMapOvr>
+</p:sld>
+</file>
+
+<file path=ppt/slides/slide8.xml><?xml version="1.0" encoding="utf-8"?>
+<p:sld xmlns:a="http://schemas.openxmlformats.org/drawingml/2006/main" xmlns:r="http://schemas.openxmlformats.org/officeDocument/2006/relationships" xmlns:p="http://schemas.openxmlformats.org/presentationml/2006/main">
+  <p:cSld>
+    <p:bg>
+      <p:bgPr>
+        <a:solidFill>
+          <a:schemeClr val="tx1"/>
+        </a:solidFill>
+        <a:effectLst/>
+      </p:bgPr>
+    </p:bg>
+    <p:spTree>
+      <p:nvGrpSpPr>
+        <p:cNvPr id="1" name=""/>
+        <p:cNvGrpSpPr/>
+        <p:nvPr/>
+      </p:nvGrpSpPr>
+      <p:grpSpPr>
+        <a:xfrm>
+          <a:off x="0" y="0"/>
+          <a:ext cx="0" cy="0"/>
+          <a:chOff x="0" y="0"/>
+          <a:chExt cx="0" cy="0"/>
+        </a:xfrm>
+      </p:grpSpPr>
+      <p:pic>
+        <p:nvPicPr>
+          <p:cNvPr id="5" name="Picture 4"/>
+          <p:cNvPicPr>
+            <a:picLocks noChangeAspect="1"/>
+          </p:cNvPicPr>
+          <p:nvPr/>
+        </p:nvPicPr>
+        <p:blipFill>
+          <a:blip r:embed="rId2"/>
+          <a:stretch>
+            <a:fillRect/>
+          </a:stretch>
+        </p:blipFill>
+        <p:spPr>
+          <a:xfrm>
+            <a:off x="2813460" y="102016"/>
+            <a:ext cx="6565079" cy="6653968"/>
+          </a:xfrm>
+          <a:prstGeom prst="rect">
+            <a:avLst/>
+          </a:prstGeom>
+        </p:spPr>
+      </p:pic>
+      <p:sp>
+        <p:nvSpPr>
+          <p:cNvPr id="2" name="Rectangle 1"/>
+          <p:cNvSpPr/>
+          <p:nvPr/>
+        </p:nvSpPr>
+        <p:spPr>
+          <a:xfrm>
+            <a:off x="1986983" y="5750169"/>
+            <a:ext cx="4360984" cy="707886"/>
+          </a:xfrm>
+          <a:prstGeom prst="rect">
+            <a:avLst/>
+          </a:prstGeom>
+        </p:spPr>
+        <p:txBody>
+          <a:bodyPr wrap="square">
+            <a:spAutoFit/>
+          </a:bodyPr>
+          <a:lstStyle/>
+          <a:p>
+            <a:r>
+              <a:rPr lang="en-US" sz="4000" dirty="0">
+                <a:solidFill>
+                  <a:schemeClr val="bg1">
+                    <a:lumMod val="75000"/>
+                    <a:lumOff val="25000"/>
+                  </a:schemeClr>
+                </a:solidFill>
+                <a:latin typeface="Lucida Fax" panose="02060602050505020204" pitchFamily="18" charset="0"/>
+              </a:rPr>
+              <a:t>TRAINING</a:t>
+            </a:r>
+            <a:endParaRPr lang="en-US" sz="4000" dirty="0">
+              <a:solidFill>
+                <a:schemeClr val="bg1">
+                  <a:lumMod val="75000"/>
+                  <a:lumOff val="25000"/>
+                </a:schemeClr>
+              </a:solidFill>
+            </a:endParaRPr>
+          </a:p>
+        </p:txBody>
+      </p:sp>
+    </p:spTree>
+    <p:extLst>
+      <p:ext uri="{BB962C8B-B14F-4D97-AF65-F5344CB8AC3E}">
+        <p14:creationId xmlns:p14="http://schemas.microsoft.com/office/powerpoint/2010/main" val="2829533590"/>
+      </p:ext>
+    </p:extLst>
+  </p:cSld>
+  <p:clrMapOvr>
+    <a:masterClrMapping/>
+  </p:clrMapOvr>
+</p:sld>
+</file>
+
+<file path=ppt/slides/slide9.xml><?xml version="1.0" encoding="utf-8"?>
+<p:sld xmlns:a="http://schemas.openxmlformats.org/drawingml/2006/main" xmlns:r="http://schemas.openxmlformats.org/officeDocument/2006/relationships" xmlns:p="http://schemas.openxmlformats.org/presentationml/2006/main">
+  <p:cSld>
+    <p:bg>
+      <p:bgPr>
+        <a:solidFill>
+          <a:schemeClr val="tx1"/>
+        </a:solidFill>
+        <a:effectLst/>
+      </p:bgPr>
+    </p:bg>
+    <p:spTree>
+      <p:nvGrpSpPr>
+        <p:cNvPr id="1" name=""/>
+        <p:cNvGrpSpPr/>
+        <p:nvPr/>
+      </p:nvGrpSpPr>
+      <p:grpSpPr>
+        <a:xfrm>
+          <a:off x="0" y="0"/>
+          <a:ext cx="0" cy="0"/>
+          <a:chOff x="0" y="0"/>
+          <a:chExt cx="0" cy="0"/>
+        </a:xfrm>
+      </p:grpSpPr>
+      <p:pic>
+        <p:nvPicPr>
+          <p:cNvPr id="2" name="Picture 1"/>
+          <p:cNvPicPr>
+            <a:picLocks noChangeAspect="1"/>
+          </p:cNvPicPr>
+          <p:nvPr/>
+        </p:nvPicPr>
+        <p:blipFill>
+          <a:blip r:embed="rId2"/>
+          <a:stretch>
+            <a:fillRect/>
+          </a:stretch>
+        </p:blipFill>
+        <p:spPr>
+          <a:xfrm>
+            <a:off x="1848711" y="571417"/>
+            <a:ext cx="5882506" cy="5416145"/>
+          </a:xfrm>
+          <a:prstGeom prst="rect">
+            <a:avLst/>
+          </a:prstGeom>
+        </p:spPr>
+      </p:pic>
+      <p:sp>
+        <p:nvSpPr>
+          <p:cNvPr id="3" name="Rectangle 2"/>
+          <p:cNvSpPr/>
+          <p:nvPr/>
+        </p:nvSpPr>
+        <p:spPr>
+          <a:xfrm>
+            <a:off x="1986983" y="5750169"/>
+            <a:ext cx="4360984" cy="707886"/>
+          </a:xfrm>
+          <a:prstGeom prst="rect">
+            <a:avLst/>
+          </a:prstGeom>
+        </p:spPr>
+        <p:txBody>
+          <a:bodyPr wrap="square">
+            <a:spAutoFit/>
+          </a:bodyPr>
+          <a:lstStyle/>
+          <a:p>
+            <a:r>
+              <a:rPr lang="en-US" sz="4000" dirty="0">
+                <a:solidFill>
+                  <a:schemeClr val="bg1">
+                    <a:lumMod val="75000"/>
+                    <a:lumOff val="25000"/>
+                  </a:schemeClr>
+                </a:solidFill>
+                <a:latin typeface="Lucida Fax" panose="02060602050505020204" pitchFamily="18" charset="0"/>
+              </a:rPr>
+              <a:t>TESTING</a:t>
+            </a:r>
+            <a:endParaRPr lang="en-US" sz="4000" dirty="0">
+              <a:solidFill>
+                <a:schemeClr val="bg1">
+                  <a:lumMod val="75000"/>
+                  <a:lumOff val="25000"/>
+                </a:schemeClr>
+              </a:solidFill>
+            </a:endParaRPr>
+          </a:p>
+        </p:txBody>
+      </p:sp>
+    </p:spTree>
+    <p:extLst>
+      <p:ext uri="{BB962C8B-B14F-4D97-AF65-F5344CB8AC3E}">
+        <p14:creationId xmlns:p14="http://schemas.microsoft.com/office/powerpoint/2010/main" val="2439527841"/>
       </p:ext>
     </p:extLst>
   </p:cSld>
